--- a/automate-powerpoint/reordered_data_quality_report.pptx
+++ b/automate-powerpoint/reordered_data_quality_report.pptx
@@ -353,418 +353,6 @@
 </p:sldLayout>
 </file>
 
-<file path=ppt/slideLayouts/slideLayout1.xml><?xml version="1.0" encoding="utf-8"?>
-<p:sldLayout xmlns:a="http://schemas.openxmlformats.org/drawingml/2006/main" xmlns:r="http://schemas.openxmlformats.org/officeDocument/2006/relationships" xmlns:p="http://schemas.openxmlformats.org/presentationml/2006/main" type="title" preserve="1">
-  <p:cSld name="Title Slide">
-    <p:spTree>
-      <p:nvGrpSpPr>
-        <p:cNvPr id="1" name=""/>
-        <p:cNvGrpSpPr/>
-        <p:nvPr/>
-      </p:nvGrpSpPr>
-      <p:grpSpPr>
-        <a:xfrm>
-          <a:off x="0" y="0"/>
-          <a:ext cx="0" cy="0"/>
-          <a:chOff x="0" y="0"/>
-          <a:chExt cx="0" cy="0"/>
-        </a:xfrm>
-      </p:grpSpPr>
-      <p:sp>
-        <p:nvSpPr>
-          <p:cNvPr id="2" name="Title 1"/>
-          <p:cNvSpPr>
-            <a:spLocks noGrp="1"/>
-          </p:cNvSpPr>
-          <p:nvPr>
-            <p:ph type="ctrTitle"/>
-          </p:nvPr>
-        </p:nvSpPr>
-        <p:spPr>
-          <a:xfrm>
-            <a:off x="685800" y="2130425"/>
-            <a:ext cx="7772400" cy="1470025"/>
-          </a:xfrm>
-        </p:spPr>
-        <p:txBody>
-          <a:bodyPr/>
-          <a:lstStyle/>
-          <a:p>
-            <a:r>
-              <a:rPr lang="en-US" smtClean="0"/>
-              <a:t>Click to edit Master title style</a:t>
-            </a:r>
-            <a:endParaRPr lang="en-US"/>
-          </a:p>
-        </p:txBody>
-      </p:sp>
-      <p:sp>
-        <p:nvSpPr>
-          <p:cNvPr id="3" name="Subtitle 2"/>
-          <p:cNvSpPr>
-            <a:spLocks noGrp="1"/>
-          </p:cNvSpPr>
-          <p:nvPr>
-            <p:ph type="subTitle" idx="1"/>
-          </p:nvPr>
-        </p:nvSpPr>
-        <p:spPr>
-          <a:xfrm>
-            <a:off x="1371600" y="3886200"/>
-            <a:ext cx="6400800" cy="1752600"/>
-          </a:xfrm>
-        </p:spPr>
-        <p:txBody>
-          <a:bodyPr/>
-          <a:lstStyle>
-            <a:lvl1pPr marL="0" indent="0" algn="ctr">
-              <a:buNone/>
-              <a:defRPr>
-                <a:solidFill>
-                  <a:schemeClr val="tx1">
-                    <a:tint val="75000"/>
-                  </a:schemeClr>
-                </a:solidFill>
-              </a:defRPr>
-            </a:lvl1pPr>
-            <a:lvl2pPr marL="457200" indent="0" algn="ctr">
-              <a:buNone/>
-              <a:defRPr>
-                <a:solidFill>
-                  <a:schemeClr val="tx1">
-                    <a:tint val="75000"/>
-                  </a:schemeClr>
-                </a:solidFill>
-              </a:defRPr>
-            </a:lvl2pPr>
-            <a:lvl3pPr marL="914400" indent="0" algn="ctr">
-              <a:buNone/>
-              <a:defRPr>
-                <a:solidFill>
-                  <a:schemeClr val="tx1">
-                    <a:tint val="75000"/>
-                  </a:schemeClr>
-                </a:solidFill>
-              </a:defRPr>
-            </a:lvl3pPr>
-            <a:lvl4pPr marL="1371600" indent="0" algn="ctr">
-              <a:buNone/>
-              <a:defRPr>
-                <a:solidFill>
-                  <a:schemeClr val="tx1">
-                    <a:tint val="75000"/>
-                  </a:schemeClr>
-                </a:solidFill>
-              </a:defRPr>
-            </a:lvl4pPr>
-            <a:lvl5pPr marL="1828800" indent="0" algn="ctr">
-              <a:buNone/>
-              <a:defRPr>
-                <a:solidFill>
-                  <a:schemeClr val="tx1">
-                    <a:tint val="75000"/>
-                  </a:schemeClr>
-                </a:solidFill>
-              </a:defRPr>
-            </a:lvl5pPr>
-            <a:lvl6pPr marL="2286000" indent="0" algn="ctr">
-              <a:buNone/>
-              <a:defRPr>
-                <a:solidFill>
-                  <a:schemeClr val="tx1">
-                    <a:tint val="75000"/>
-                  </a:schemeClr>
-                </a:solidFill>
-              </a:defRPr>
-            </a:lvl6pPr>
-            <a:lvl7pPr marL="2743200" indent="0" algn="ctr">
-              <a:buNone/>
-              <a:defRPr>
-                <a:solidFill>
-                  <a:schemeClr val="tx1">
-                    <a:tint val="75000"/>
-                  </a:schemeClr>
-                </a:solidFill>
-              </a:defRPr>
-            </a:lvl7pPr>
-            <a:lvl8pPr marL="3200400" indent="0" algn="ctr">
-              <a:buNone/>
-              <a:defRPr>
-                <a:solidFill>
-                  <a:schemeClr val="tx1">
-                    <a:tint val="75000"/>
-                  </a:schemeClr>
-                </a:solidFill>
-              </a:defRPr>
-            </a:lvl8pPr>
-            <a:lvl9pPr marL="3657600" indent="0" algn="ctr">
-              <a:buNone/>
-              <a:defRPr>
-                <a:solidFill>
-                  <a:schemeClr val="tx1">
-                    <a:tint val="75000"/>
-                  </a:schemeClr>
-                </a:solidFill>
-              </a:defRPr>
-            </a:lvl9pPr>
-          </a:lstStyle>
-          <a:p>
-            <a:r>
-              <a:rPr lang="en-US" smtClean="0"/>
-              <a:t>Click to edit Master subtitle style</a:t>
-            </a:r>
-            <a:endParaRPr lang="en-US"/>
-          </a:p>
-        </p:txBody>
-      </p:sp>
-      <p:sp>
-        <p:nvSpPr>
-          <p:cNvPr id="4" name="Date Placeholder 3"/>
-          <p:cNvSpPr>
-            <a:spLocks noGrp="1"/>
-          </p:cNvSpPr>
-          <p:nvPr>
-            <p:ph type="dt" sz="half" idx="10"/>
-          </p:nvPr>
-        </p:nvSpPr>
-        <p:spPr/>
-        <p:txBody>
-          <a:bodyPr/>
-          <a:lstStyle/>
-          <a:p>
-            <a:fld id="{5BCAD085-E8A6-8845-BD4E-CB4CCA059FC4}" type="datetimeFigureOut">
-              <a:rPr lang="en-US" smtClean="0"/>
-              <a:t>1/27/13</a:t>
-            </a:fld>
-            <a:endParaRPr lang="en-US"/>
-          </a:p>
-        </p:txBody>
-      </p:sp>
-      <p:sp>
-        <p:nvSpPr>
-          <p:cNvPr id="5" name="Footer Placeholder 4"/>
-          <p:cNvSpPr>
-            <a:spLocks noGrp="1"/>
-          </p:cNvSpPr>
-          <p:nvPr>
-            <p:ph type="ftr" sz="quarter" idx="11"/>
-          </p:nvPr>
-        </p:nvSpPr>
-        <p:spPr/>
-        <p:txBody>
-          <a:bodyPr/>
-          <a:lstStyle/>
-          <a:p>
-            <a:endParaRPr lang="en-US"/>
-          </a:p>
-        </p:txBody>
-      </p:sp>
-      <p:sp>
-        <p:nvSpPr>
-          <p:cNvPr id="6" name="Slide Number Placeholder 5"/>
-          <p:cNvSpPr>
-            <a:spLocks noGrp="1"/>
-          </p:cNvSpPr>
-          <p:nvPr>
-            <p:ph type="sldNum" sz="quarter" idx="12"/>
-          </p:nvPr>
-        </p:nvSpPr>
-        <p:spPr/>
-        <p:txBody>
-          <a:bodyPr/>
-          <a:lstStyle/>
-          <a:p>
-            <a:fld id="{C1FF6DA9-008F-8B48-92A6-B652298478BF}" type="slidenum">
-              <a:rPr lang="en-US" smtClean="0"/>
-              <a:t>‹#›</a:t>
-            </a:fld>
-            <a:endParaRPr lang="en-US"/>
-          </a:p>
-        </p:txBody>
-      </p:sp>
-    </p:spTree>
-    <p:extLst>
-      <p:ext uri="{BB962C8B-B14F-4D97-AF65-F5344CB8AC3E}">
-        <p14:creationId xmlns:p14="http://schemas.microsoft.com/office/powerpoint/2010/main" val="3168075583"/>
-      </p:ext>
-    </p:extLst>
-  </p:cSld>
-  <p:clrMapOvr>
-    <a:masterClrMapping/>
-  </p:clrMapOvr>
-</p:sldLayout>
-</file>
-
-<file path=ppt/slideLayouts/slideLayout10.xml><?xml version="1.0" encoding="utf-8"?>
-<p:sldLayout xmlns:a="http://schemas.openxmlformats.org/drawingml/2006/main" xmlns:r="http://schemas.openxmlformats.org/officeDocument/2006/relationships" xmlns:p="http://schemas.openxmlformats.org/presentationml/2006/main" type="vertTx" preserve="1">
-  <p:cSld name="Title and Vertical Text">
-    <p:spTree>
-      <p:nvGrpSpPr>
-        <p:cNvPr id="1" name=""/>
-        <p:cNvGrpSpPr/>
-        <p:nvPr/>
-      </p:nvGrpSpPr>
-      <p:grpSpPr>
-        <a:xfrm>
-          <a:off x="0" y="0"/>
-          <a:ext cx="0" cy="0"/>
-          <a:chOff x="0" y="0"/>
-          <a:chExt cx="0" cy="0"/>
-        </a:xfrm>
-      </p:grpSpPr>
-      <p:sp>
-        <p:nvSpPr>
-          <p:cNvPr id="2" name="Title 1"/>
-          <p:cNvSpPr>
-            <a:spLocks noGrp="1"/>
-          </p:cNvSpPr>
-          <p:nvPr>
-            <p:ph type="title"/>
-          </p:nvPr>
-        </p:nvSpPr>
-        <p:spPr/>
-        <p:txBody>
-          <a:bodyPr/>
-          <a:lstStyle/>
-          <a:p>
-            <a:r>
-              <a:rPr lang="en-US" smtClean="0"/>
-              <a:t>Click to edit Master title style</a:t>
-            </a:r>
-            <a:endParaRPr lang="en-US"/>
-          </a:p>
-        </p:txBody>
-      </p:sp>
-      <p:sp>
-        <p:nvSpPr>
-          <p:cNvPr id="3" name="Vertical Text Placeholder 2"/>
-          <p:cNvSpPr>
-            <a:spLocks noGrp="1"/>
-          </p:cNvSpPr>
-          <p:nvPr>
-            <p:ph type="body" orient="vert" idx="1"/>
-          </p:nvPr>
-        </p:nvSpPr>
-        <p:spPr/>
-        <p:txBody>
-          <a:bodyPr vert="eaVert"/>
-          <a:lstStyle/>
-          <a:p>
-            <a:pPr lvl="0"/>
-            <a:r>
-              <a:rPr lang="en-US" smtClean="0"/>
-              <a:t>Click to edit Master text styles</a:t>
-            </a:r>
-          </a:p>
-          <a:p>
-            <a:pPr lvl="1"/>
-            <a:r>
-              <a:rPr lang="en-US" smtClean="0"/>
-              <a:t>Second level</a:t>
-            </a:r>
-          </a:p>
-          <a:p>
-            <a:pPr lvl="2"/>
-            <a:r>
-              <a:rPr lang="en-US" smtClean="0"/>
-              <a:t>Third level</a:t>
-            </a:r>
-          </a:p>
-          <a:p>
-            <a:pPr lvl="3"/>
-            <a:r>
-              <a:rPr lang="en-US" smtClean="0"/>
-              <a:t>Fourth level</a:t>
-            </a:r>
-          </a:p>
-          <a:p>
-            <a:pPr lvl="4"/>
-            <a:r>
-              <a:rPr lang="en-US" smtClean="0"/>
-              <a:t>Fifth level</a:t>
-            </a:r>
-            <a:endParaRPr lang="en-US"/>
-          </a:p>
-        </p:txBody>
-      </p:sp>
-      <p:sp>
-        <p:nvSpPr>
-          <p:cNvPr id="4" name="Date Placeholder 3"/>
-          <p:cNvSpPr>
-            <a:spLocks noGrp="1"/>
-          </p:cNvSpPr>
-          <p:nvPr>
-            <p:ph type="dt" sz="half" idx="10"/>
-          </p:nvPr>
-        </p:nvSpPr>
-        <p:spPr/>
-        <p:txBody>
-          <a:bodyPr/>
-          <a:lstStyle/>
-          <a:p>
-            <a:fld id="{5BCAD085-E8A6-8845-BD4E-CB4CCA059FC4}" type="datetimeFigureOut">
-              <a:rPr lang="en-US" smtClean="0"/>
-              <a:t>1/27/13</a:t>
-            </a:fld>
-            <a:endParaRPr lang="en-US"/>
-          </a:p>
-        </p:txBody>
-      </p:sp>
-      <p:sp>
-        <p:nvSpPr>
-          <p:cNvPr id="5" name="Footer Placeholder 4"/>
-          <p:cNvSpPr>
-            <a:spLocks noGrp="1"/>
-          </p:cNvSpPr>
-          <p:nvPr>
-            <p:ph type="ftr" sz="quarter" idx="11"/>
-          </p:nvPr>
-        </p:nvSpPr>
-        <p:spPr/>
-        <p:txBody>
-          <a:bodyPr/>
-          <a:lstStyle/>
-          <a:p>
-            <a:endParaRPr lang="en-US"/>
-          </a:p>
-        </p:txBody>
-      </p:sp>
-      <p:sp>
-        <p:nvSpPr>
-          <p:cNvPr id="6" name="Slide Number Placeholder 5"/>
-          <p:cNvSpPr>
-            <a:spLocks noGrp="1"/>
-          </p:cNvSpPr>
-          <p:nvPr>
-            <p:ph type="sldNum" sz="quarter" idx="12"/>
-          </p:nvPr>
-        </p:nvSpPr>
-        <p:spPr/>
-        <p:txBody>
-          <a:bodyPr/>
-          <a:lstStyle/>
-          <a:p>
-            <a:fld id="{C1FF6DA9-008F-8B48-92A6-B652298478BF}" type="slidenum">
-              <a:rPr lang="en-US" smtClean="0"/>
-              <a:t>‹#›</a:t>
-            </a:fld>
-            <a:endParaRPr lang="en-US"/>
-          </a:p>
-        </p:txBody>
-      </p:sp>
-    </p:spTree>
-    <p:extLst>
-      <p:ext uri="{BB962C8B-B14F-4D97-AF65-F5344CB8AC3E}">
-        <p14:creationId xmlns:p14="http://schemas.microsoft.com/office/powerpoint/2010/main" val="2910927964"/>
-      </p:ext>
-    </p:extLst>
-  </p:cSld>
-  <p:clrMapOvr>
-    <a:masterClrMapping/>
-  </p:clrMapOvr>
-</p:sldLayout>
-</file>
-
 <file path=ppt/slideLayouts/slideLayout10.xml><?xml version="1.0" encoding="utf-8"?>
 <p:sldLayout xmlns:a="http://schemas.openxmlformats.org/drawingml/2006/main" xmlns:r="http://schemas.openxmlformats.org/officeDocument/2006/relationships" xmlns:p="http://schemas.openxmlformats.org/presentationml/2006/main" type="vertTx" preserve="1">
   <p:cSld name="Title and Vertical Text">
@@ -1115,356 +703,6 @@
 </p:sldLayout>
 </file>
 
-<file path=ppt/slideLayouts/slideLayout11.xml><?xml version="1.0" encoding="utf-8"?>
-<p:sldLayout xmlns:a="http://schemas.openxmlformats.org/drawingml/2006/main" xmlns:r="http://schemas.openxmlformats.org/officeDocument/2006/relationships" xmlns:p="http://schemas.openxmlformats.org/presentationml/2006/main" type="vertTitleAndTx" preserve="1">
-  <p:cSld name="Vertical Title and Text">
-    <p:spTree>
-      <p:nvGrpSpPr>
-        <p:cNvPr id="1" name=""/>
-        <p:cNvGrpSpPr/>
-        <p:nvPr/>
-      </p:nvGrpSpPr>
-      <p:grpSpPr>
-        <a:xfrm>
-          <a:off x="0" y="0"/>
-          <a:ext cx="0" cy="0"/>
-          <a:chOff x="0" y="0"/>
-          <a:chExt cx="0" cy="0"/>
-        </a:xfrm>
-      </p:grpSpPr>
-      <p:sp>
-        <p:nvSpPr>
-          <p:cNvPr id="2" name="Vertical Title 1"/>
-          <p:cNvSpPr>
-            <a:spLocks noGrp="1"/>
-          </p:cNvSpPr>
-          <p:nvPr>
-            <p:ph type="title" orient="vert"/>
-          </p:nvPr>
-        </p:nvSpPr>
-        <p:spPr>
-          <a:xfrm>
-            <a:off x="6629400" y="274638"/>
-            <a:ext cx="2057400" cy="5851525"/>
-          </a:xfrm>
-        </p:spPr>
-        <p:txBody>
-          <a:bodyPr vert="eaVert"/>
-          <a:lstStyle/>
-          <a:p>
-            <a:r>
-              <a:rPr lang="en-US" smtClean="0"/>
-              <a:t>Click to edit Master title style</a:t>
-            </a:r>
-            <a:endParaRPr lang="en-US"/>
-          </a:p>
-        </p:txBody>
-      </p:sp>
-      <p:sp>
-        <p:nvSpPr>
-          <p:cNvPr id="3" name="Vertical Text Placeholder 2"/>
-          <p:cNvSpPr>
-            <a:spLocks noGrp="1"/>
-          </p:cNvSpPr>
-          <p:nvPr>
-            <p:ph type="body" orient="vert" idx="1"/>
-          </p:nvPr>
-        </p:nvSpPr>
-        <p:spPr>
-          <a:xfrm>
-            <a:off x="457200" y="274638"/>
-            <a:ext cx="6019800" cy="5851525"/>
-          </a:xfrm>
-        </p:spPr>
-        <p:txBody>
-          <a:bodyPr vert="eaVert"/>
-          <a:lstStyle/>
-          <a:p>
-            <a:pPr lvl="0"/>
-            <a:r>
-              <a:rPr lang="en-US" smtClean="0"/>
-              <a:t>Click to edit Master text styles</a:t>
-            </a:r>
-          </a:p>
-          <a:p>
-            <a:pPr lvl="1"/>
-            <a:r>
-              <a:rPr lang="en-US" smtClean="0"/>
-              <a:t>Second level</a:t>
-            </a:r>
-          </a:p>
-          <a:p>
-            <a:pPr lvl="2"/>
-            <a:r>
-              <a:rPr lang="en-US" smtClean="0"/>
-              <a:t>Third level</a:t>
-            </a:r>
-          </a:p>
-          <a:p>
-            <a:pPr lvl="3"/>
-            <a:r>
-              <a:rPr lang="en-US" smtClean="0"/>
-              <a:t>Fourth level</a:t>
-            </a:r>
-          </a:p>
-          <a:p>
-            <a:pPr lvl="4"/>
-            <a:r>
-              <a:rPr lang="en-US" smtClean="0"/>
-              <a:t>Fifth level</a:t>
-            </a:r>
-            <a:endParaRPr lang="en-US"/>
-          </a:p>
-        </p:txBody>
-      </p:sp>
-      <p:sp>
-        <p:nvSpPr>
-          <p:cNvPr id="4" name="Date Placeholder 3"/>
-          <p:cNvSpPr>
-            <a:spLocks noGrp="1"/>
-          </p:cNvSpPr>
-          <p:nvPr>
-            <p:ph type="dt" sz="half" idx="10"/>
-          </p:nvPr>
-        </p:nvSpPr>
-        <p:spPr/>
-        <p:txBody>
-          <a:bodyPr/>
-          <a:lstStyle/>
-          <a:p>
-            <a:fld id="{5BCAD085-E8A6-8845-BD4E-CB4CCA059FC4}" type="datetimeFigureOut">
-              <a:rPr lang="en-US" smtClean="0"/>
-              <a:t>1/27/13</a:t>
-            </a:fld>
-            <a:endParaRPr lang="en-US"/>
-          </a:p>
-        </p:txBody>
-      </p:sp>
-      <p:sp>
-        <p:nvSpPr>
-          <p:cNvPr id="5" name="Footer Placeholder 4"/>
-          <p:cNvSpPr>
-            <a:spLocks noGrp="1"/>
-          </p:cNvSpPr>
-          <p:nvPr>
-            <p:ph type="ftr" sz="quarter" idx="11"/>
-          </p:nvPr>
-        </p:nvSpPr>
-        <p:spPr/>
-        <p:txBody>
-          <a:bodyPr/>
-          <a:lstStyle/>
-          <a:p>
-            <a:endParaRPr lang="en-US"/>
-          </a:p>
-        </p:txBody>
-      </p:sp>
-      <p:sp>
-        <p:nvSpPr>
-          <p:cNvPr id="6" name="Slide Number Placeholder 5"/>
-          <p:cNvSpPr>
-            <a:spLocks noGrp="1"/>
-          </p:cNvSpPr>
-          <p:nvPr>
-            <p:ph type="sldNum" sz="quarter" idx="12"/>
-          </p:nvPr>
-        </p:nvSpPr>
-        <p:spPr/>
-        <p:txBody>
-          <a:bodyPr/>
-          <a:lstStyle/>
-          <a:p>
-            <a:fld id="{C1FF6DA9-008F-8B48-92A6-B652298478BF}" type="slidenum">
-              <a:rPr lang="en-US" smtClean="0"/>
-              <a:t>‹#›</a:t>
-            </a:fld>
-            <a:endParaRPr lang="en-US"/>
-          </a:p>
-        </p:txBody>
-      </p:sp>
-    </p:spTree>
-    <p:extLst>
-      <p:ext uri="{BB962C8B-B14F-4D97-AF65-F5344CB8AC3E}">
-        <p14:creationId xmlns:p14="http://schemas.microsoft.com/office/powerpoint/2010/main" val="3612223792"/>
-      </p:ext>
-    </p:extLst>
-  </p:cSld>
-  <p:clrMapOvr>
-    <a:masterClrMapping/>
-  </p:clrMapOvr>
-</p:sldLayout>
-</file>
-
-<file path=ppt/slideLayouts/slideLayout2.xml><?xml version="1.0" encoding="utf-8"?>
-<p:sldLayout xmlns:a="http://schemas.openxmlformats.org/drawingml/2006/main" xmlns:r="http://schemas.openxmlformats.org/officeDocument/2006/relationships" xmlns:p="http://schemas.openxmlformats.org/presentationml/2006/main" type="obj" preserve="1">
-  <p:cSld name="Title and Content">
-    <p:spTree>
-      <p:nvGrpSpPr>
-        <p:cNvPr id="1" name=""/>
-        <p:cNvGrpSpPr/>
-        <p:nvPr/>
-      </p:nvGrpSpPr>
-      <p:grpSpPr>
-        <a:xfrm>
-          <a:off x="0" y="0"/>
-          <a:ext cx="0" cy="0"/>
-          <a:chOff x="0" y="0"/>
-          <a:chExt cx="0" cy="0"/>
-        </a:xfrm>
-      </p:grpSpPr>
-      <p:sp>
-        <p:nvSpPr>
-          <p:cNvPr id="2" name="Title 1"/>
-          <p:cNvSpPr>
-            <a:spLocks noGrp="1"/>
-          </p:cNvSpPr>
-          <p:nvPr>
-            <p:ph type="title"/>
-          </p:nvPr>
-        </p:nvSpPr>
-        <p:spPr/>
-        <p:txBody>
-          <a:bodyPr/>
-          <a:lstStyle/>
-          <a:p>
-            <a:r>
-              <a:rPr lang="en-US" smtClean="0"/>
-              <a:t>Click to edit Master title style</a:t>
-            </a:r>
-            <a:endParaRPr lang="en-US"/>
-          </a:p>
-        </p:txBody>
-      </p:sp>
-      <p:sp>
-        <p:nvSpPr>
-          <p:cNvPr id="3" name="Content Placeholder 2"/>
-          <p:cNvSpPr>
-            <a:spLocks noGrp="1"/>
-          </p:cNvSpPr>
-          <p:nvPr>
-            <p:ph idx="1"/>
-          </p:nvPr>
-        </p:nvSpPr>
-        <p:spPr/>
-        <p:txBody>
-          <a:bodyPr/>
-          <a:lstStyle/>
-          <a:p>
-            <a:pPr lvl="0"/>
-            <a:r>
-              <a:rPr lang="en-US" smtClean="0"/>
-              <a:t>Click to edit Master text styles</a:t>
-            </a:r>
-          </a:p>
-          <a:p>
-            <a:pPr lvl="1"/>
-            <a:r>
-              <a:rPr lang="en-US" smtClean="0"/>
-              <a:t>Second level</a:t>
-            </a:r>
-          </a:p>
-          <a:p>
-            <a:pPr lvl="2"/>
-            <a:r>
-              <a:rPr lang="en-US" smtClean="0"/>
-              <a:t>Third level</a:t>
-            </a:r>
-          </a:p>
-          <a:p>
-            <a:pPr lvl="3"/>
-            <a:r>
-              <a:rPr lang="en-US" smtClean="0"/>
-              <a:t>Fourth level</a:t>
-            </a:r>
-          </a:p>
-          <a:p>
-            <a:pPr lvl="4"/>
-            <a:r>
-              <a:rPr lang="en-US" smtClean="0"/>
-              <a:t>Fifth level</a:t>
-            </a:r>
-            <a:endParaRPr lang="en-US"/>
-          </a:p>
-        </p:txBody>
-      </p:sp>
-      <p:sp>
-        <p:nvSpPr>
-          <p:cNvPr id="4" name="Date Placeholder 3"/>
-          <p:cNvSpPr>
-            <a:spLocks noGrp="1"/>
-          </p:cNvSpPr>
-          <p:nvPr>
-            <p:ph type="dt" sz="half" idx="10"/>
-          </p:nvPr>
-        </p:nvSpPr>
-        <p:spPr/>
-        <p:txBody>
-          <a:bodyPr/>
-          <a:lstStyle/>
-          <a:p>
-            <a:fld id="{5BCAD085-E8A6-8845-BD4E-CB4CCA059FC4}" type="datetimeFigureOut">
-              <a:rPr lang="en-US" smtClean="0"/>
-              <a:t>1/27/13</a:t>
-            </a:fld>
-            <a:endParaRPr lang="en-US"/>
-          </a:p>
-        </p:txBody>
-      </p:sp>
-      <p:sp>
-        <p:nvSpPr>
-          <p:cNvPr id="5" name="Footer Placeholder 4"/>
-          <p:cNvSpPr>
-            <a:spLocks noGrp="1"/>
-          </p:cNvSpPr>
-          <p:nvPr>
-            <p:ph type="ftr" sz="quarter" idx="11"/>
-          </p:nvPr>
-        </p:nvSpPr>
-        <p:spPr/>
-        <p:txBody>
-          <a:bodyPr/>
-          <a:lstStyle/>
-          <a:p>
-            <a:endParaRPr lang="en-US"/>
-          </a:p>
-        </p:txBody>
-      </p:sp>
-      <p:sp>
-        <p:nvSpPr>
-          <p:cNvPr id="6" name="Slide Number Placeholder 5"/>
-          <p:cNvSpPr>
-            <a:spLocks noGrp="1"/>
-          </p:cNvSpPr>
-          <p:nvPr>
-            <p:ph type="sldNum" sz="quarter" idx="12"/>
-          </p:nvPr>
-        </p:nvSpPr>
-        <p:spPr/>
-        <p:txBody>
-          <a:bodyPr/>
-          <a:lstStyle/>
-          <a:p>
-            <a:fld id="{C1FF6DA9-008F-8B48-92A6-B652298478BF}" type="slidenum">
-              <a:rPr lang="en-US" smtClean="0"/>
-              <a:t>‹#›</a:t>
-            </a:fld>
-            <a:endParaRPr lang="en-US"/>
-          </a:p>
-        </p:txBody>
-      </p:sp>
-    </p:spTree>
-    <p:extLst>
-      <p:ext uri="{BB962C8B-B14F-4D97-AF65-F5344CB8AC3E}">
-        <p14:creationId xmlns:p14="http://schemas.microsoft.com/office/powerpoint/2010/main" val="2614314258"/>
-      </p:ext>
-    </p:extLst>
-  </p:cSld>
-  <p:clrMapOvr>
-    <a:masterClrMapping/>
-  </p:clrMapOvr>
-</p:sldLayout>
-</file>
-
 <file path=ppt/slideLayouts/slideLayout2.xml><?xml version="1.0" encoding="utf-8"?>
 <p:sldLayout xmlns:a="http://schemas.openxmlformats.org/drawingml/2006/main" xmlns:r="http://schemas.openxmlformats.org/officeDocument/2006/relationships" xmlns:p="http://schemas.openxmlformats.org/presentationml/2006/main" type="obj" preserve="1">
   <p:cSld name="Title and Content">
@@ -1881,540 +1119,6 @@
 </p:sldLayout>
 </file>
 
-<file path=ppt/slideLayouts/slideLayout3.xml><?xml version="1.0" encoding="utf-8"?>
-<p:sldLayout xmlns:a="http://schemas.openxmlformats.org/drawingml/2006/main" xmlns:r="http://schemas.openxmlformats.org/officeDocument/2006/relationships" xmlns:p="http://schemas.openxmlformats.org/presentationml/2006/main" type="secHead" preserve="1">
-  <p:cSld name="Section Header">
-    <p:spTree>
-      <p:nvGrpSpPr>
-        <p:cNvPr id="1" name=""/>
-        <p:cNvGrpSpPr/>
-        <p:nvPr/>
-      </p:nvGrpSpPr>
-      <p:grpSpPr>
-        <a:xfrm>
-          <a:off x="0" y="0"/>
-          <a:ext cx="0" cy="0"/>
-          <a:chOff x="0" y="0"/>
-          <a:chExt cx="0" cy="0"/>
-        </a:xfrm>
-      </p:grpSpPr>
-      <p:sp>
-        <p:nvSpPr>
-          <p:cNvPr id="2" name="Title 1"/>
-          <p:cNvSpPr>
-            <a:spLocks noGrp="1"/>
-          </p:cNvSpPr>
-          <p:nvPr>
-            <p:ph type="title"/>
-          </p:nvPr>
-        </p:nvSpPr>
-        <p:spPr>
-          <a:xfrm>
-            <a:off x="722313" y="4406900"/>
-            <a:ext cx="7772400" cy="1362075"/>
-          </a:xfrm>
-        </p:spPr>
-        <p:txBody>
-          <a:bodyPr anchor="t"/>
-          <a:lstStyle>
-            <a:lvl1pPr algn="l">
-              <a:defRPr sz="4000" b="1" cap="all"/>
-            </a:lvl1pPr>
-          </a:lstStyle>
-          <a:p>
-            <a:r>
-              <a:rPr lang="en-US" smtClean="0"/>
-              <a:t>Click to edit Master title style</a:t>
-            </a:r>
-            <a:endParaRPr lang="en-US"/>
-          </a:p>
-        </p:txBody>
-      </p:sp>
-      <p:sp>
-        <p:nvSpPr>
-          <p:cNvPr id="3" name="Text Placeholder 2"/>
-          <p:cNvSpPr>
-            <a:spLocks noGrp="1"/>
-          </p:cNvSpPr>
-          <p:nvPr>
-            <p:ph type="body" idx="1"/>
-          </p:nvPr>
-        </p:nvSpPr>
-        <p:spPr>
-          <a:xfrm>
-            <a:off x="722313" y="2906713"/>
-            <a:ext cx="7772400" cy="1500187"/>
-          </a:xfrm>
-        </p:spPr>
-        <p:txBody>
-          <a:bodyPr anchor="b"/>
-          <a:lstStyle>
-            <a:lvl1pPr marL="0" indent="0">
-              <a:buNone/>
-              <a:defRPr sz="2000">
-                <a:solidFill>
-                  <a:schemeClr val="tx1">
-                    <a:tint val="75000"/>
-                  </a:schemeClr>
-                </a:solidFill>
-              </a:defRPr>
-            </a:lvl1pPr>
-            <a:lvl2pPr marL="457200" indent="0">
-              <a:buNone/>
-              <a:defRPr sz="1800">
-                <a:solidFill>
-                  <a:schemeClr val="tx1">
-                    <a:tint val="75000"/>
-                  </a:schemeClr>
-                </a:solidFill>
-              </a:defRPr>
-            </a:lvl2pPr>
-            <a:lvl3pPr marL="914400" indent="0">
-              <a:buNone/>
-              <a:defRPr sz="1600">
-                <a:solidFill>
-                  <a:schemeClr val="tx1">
-                    <a:tint val="75000"/>
-                  </a:schemeClr>
-                </a:solidFill>
-              </a:defRPr>
-            </a:lvl3pPr>
-            <a:lvl4pPr marL="1371600" indent="0">
-              <a:buNone/>
-              <a:defRPr sz="1400">
-                <a:solidFill>
-                  <a:schemeClr val="tx1">
-                    <a:tint val="75000"/>
-                  </a:schemeClr>
-                </a:solidFill>
-              </a:defRPr>
-            </a:lvl4pPr>
-            <a:lvl5pPr marL="1828800" indent="0">
-              <a:buNone/>
-              <a:defRPr sz="1400">
-                <a:solidFill>
-                  <a:schemeClr val="tx1">
-                    <a:tint val="75000"/>
-                  </a:schemeClr>
-                </a:solidFill>
-              </a:defRPr>
-            </a:lvl5pPr>
-            <a:lvl6pPr marL="2286000" indent="0">
-              <a:buNone/>
-              <a:defRPr sz="1400">
-                <a:solidFill>
-                  <a:schemeClr val="tx1">
-                    <a:tint val="75000"/>
-                  </a:schemeClr>
-                </a:solidFill>
-              </a:defRPr>
-            </a:lvl6pPr>
-            <a:lvl7pPr marL="2743200" indent="0">
-              <a:buNone/>
-              <a:defRPr sz="1400">
-                <a:solidFill>
-                  <a:schemeClr val="tx1">
-                    <a:tint val="75000"/>
-                  </a:schemeClr>
-                </a:solidFill>
-              </a:defRPr>
-            </a:lvl7pPr>
-            <a:lvl8pPr marL="3200400" indent="0">
-              <a:buNone/>
-              <a:defRPr sz="1400">
-                <a:solidFill>
-                  <a:schemeClr val="tx1">
-                    <a:tint val="75000"/>
-                  </a:schemeClr>
-                </a:solidFill>
-              </a:defRPr>
-            </a:lvl8pPr>
-            <a:lvl9pPr marL="3657600" indent="0">
-              <a:buNone/>
-              <a:defRPr sz="1400">
-                <a:solidFill>
-                  <a:schemeClr val="tx1">
-                    <a:tint val="75000"/>
-                  </a:schemeClr>
-                </a:solidFill>
-              </a:defRPr>
-            </a:lvl9pPr>
-          </a:lstStyle>
-          <a:p>
-            <a:pPr lvl="0"/>
-            <a:r>
-              <a:rPr lang="en-US" smtClean="0"/>
-              <a:t>Click to edit Master text styles</a:t>
-            </a:r>
-          </a:p>
-        </p:txBody>
-      </p:sp>
-      <p:sp>
-        <p:nvSpPr>
-          <p:cNvPr id="4" name="Date Placeholder 3"/>
-          <p:cNvSpPr>
-            <a:spLocks noGrp="1"/>
-          </p:cNvSpPr>
-          <p:nvPr>
-            <p:ph type="dt" sz="half" idx="10"/>
-          </p:nvPr>
-        </p:nvSpPr>
-        <p:spPr/>
-        <p:txBody>
-          <a:bodyPr/>
-          <a:lstStyle/>
-          <a:p>
-            <a:fld id="{5BCAD085-E8A6-8845-BD4E-CB4CCA059FC4}" type="datetimeFigureOut">
-              <a:rPr lang="en-US" smtClean="0"/>
-              <a:t>1/27/13</a:t>
-            </a:fld>
-            <a:endParaRPr lang="en-US"/>
-          </a:p>
-        </p:txBody>
-      </p:sp>
-      <p:sp>
-        <p:nvSpPr>
-          <p:cNvPr id="5" name="Footer Placeholder 4"/>
-          <p:cNvSpPr>
-            <a:spLocks noGrp="1"/>
-          </p:cNvSpPr>
-          <p:nvPr>
-            <p:ph type="ftr" sz="quarter" idx="11"/>
-          </p:nvPr>
-        </p:nvSpPr>
-        <p:spPr/>
-        <p:txBody>
-          <a:bodyPr/>
-          <a:lstStyle/>
-          <a:p>
-            <a:endParaRPr lang="en-US"/>
-          </a:p>
-        </p:txBody>
-      </p:sp>
-      <p:sp>
-        <p:nvSpPr>
-          <p:cNvPr id="6" name="Slide Number Placeholder 5"/>
-          <p:cNvSpPr>
-            <a:spLocks noGrp="1"/>
-          </p:cNvSpPr>
-          <p:nvPr>
-            <p:ph type="sldNum" sz="quarter" idx="12"/>
-          </p:nvPr>
-        </p:nvSpPr>
-        <p:spPr/>
-        <p:txBody>
-          <a:bodyPr/>
-          <a:lstStyle/>
-          <a:p>
-            <a:fld id="{C1FF6DA9-008F-8B48-92A6-B652298478BF}" type="slidenum">
-              <a:rPr lang="en-US" smtClean="0"/>
-              <a:t>‹#›</a:t>
-            </a:fld>
-            <a:endParaRPr lang="en-US"/>
-          </a:p>
-        </p:txBody>
-      </p:sp>
-    </p:spTree>
-    <p:extLst>
-      <p:ext uri="{BB962C8B-B14F-4D97-AF65-F5344CB8AC3E}">
-        <p14:creationId xmlns:p14="http://schemas.microsoft.com/office/powerpoint/2010/main" val="960648375"/>
-      </p:ext>
-    </p:extLst>
-  </p:cSld>
-  <p:clrMapOvr>
-    <a:masterClrMapping/>
-  </p:clrMapOvr>
-</p:sldLayout>
-</file>
-
-<file path=ppt/slideLayouts/slideLayout4.xml><?xml version="1.0" encoding="utf-8"?>
-<p:sldLayout xmlns:a="http://schemas.openxmlformats.org/drawingml/2006/main" xmlns:r="http://schemas.openxmlformats.org/officeDocument/2006/relationships" xmlns:p="http://schemas.openxmlformats.org/presentationml/2006/main" type="twoObj" preserve="1">
-  <p:cSld name="Two Content">
-    <p:spTree>
-      <p:nvGrpSpPr>
-        <p:cNvPr id="1" name=""/>
-        <p:cNvGrpSpPr/>
-        <p:nvPr/>
-      </p:nvGrpSpPr>
-      <p:grpSpPr>
-        <a:xfrm>
-          <a:off x="0" y="0"/>
-          <a:ext cx="0" cy="0"/>
-          <a:chOff x="0" y="0"/>
-          <a:chExt cx="0" cy="0"/>
-        </a:xfrm>
-      </p:grpSpPr>
-      <p:sp>
-        <p:nvSpPr>
-          <p:cNvPr id="2" name="Title 1"/>
-          <p:cNvSpPr>
-            <a:spLocks noGrp="1"/>
-          </p:cNvSpPr>
-          <p:nvPr>
-            <p:ph type="title"/>
-          </p:nvPr>
-        </p:nvSpPr>
-        <p:spPr/>
-        <p:txBody>
-          <a:bodyPr/>
-          <a:lstStyle/>
-          <a:p>
-            <a:r>
-              <a:rPr lang="en-US" smtClean="0"/>
-              <a:t>Click to edit Master title style</a:t>
-            </a:r>
-            <a:endParaRPr lang="en-US"/>
-          </a:p>
-        </p:txBody>
-      </p:sp>
-      <p:sp>
-        <p:nvSpPr>
-          <p:cNvPr id="3" name="Content Placeholder 2"/>
-          <p:cNvSpPr>
-            <a:spLocks noGrp="1"/>
-          </p:cNvSpPr>
-          <p:nvPr>
-            <p:ph sz="half" idx="1"/>
-          </p:nvPr>
-        </p:nvSpPr>
-        <p:spPr>
-          <a:xfrm>
-            <a:off x="457200" y="1600200"/>
-            <a:ext cx="4038600" cy="4525963"/>
-          </a:xfrm>
-        </p:spPr>
-        <p:txBody>
-          <a:bodyPr/>
-          <a:lstStyle>
-            <a:lvl1pPr>
-              <a:defRPr sz="2800"/>
-            </a:lvl1pPr>
-            <a:lvl2pPr>
-              <a:defRPr sz="2400"/>
-            </a:lvl2pPr>
-            <a:lvl3pPr>
-              <a:defRPr sz="2000"/>
-            </a:lvl3pPr>
-            <a:lvl4pPr>
-              <a:defRPr sz="1800"/>
-            </a:lvl4pPr>
-            <a:lvl5pPr>
-              <a:defRPr sz="1800"/>
-            </a:lvl5pPr>
-            <a:lvl6pPr>
-              <a:defRPr sz="1800"/>
-            </a:lvl6pPr>
-            <a:lvl7pPr>
-              <a:defRPr sz="1800"/>
-            </a:lvl7pPr>
-            <a:lvl8pPr>
-              <a:defRPr sz="1800"/>
-            </a:lvl8pPr>
-            <a:lvl9pPr>
-              <a:defRPr sz="1800"/>
-            </a:lvl9pPr>
-          </a:lstStyle>
-          <a:p>
-            <a:pPr lvl="0"/>
-            <a:r>
-              <a:rPr lang="en-US" smtClean="0"/>
-              <a:t>Click to edit Master text styles</a:t>
-            </a:r>
-          </a:p>
-          <a:p>
-            <a:pPr lvl="1"/>
-            <a:r>
-              <a:rPr lang="en-US" smtClean="0"/>
-              <a:t>Second level</a:t>
-            </a:r>
-          </a:p>
-          <a:p>
-            <a:pPr lvl="2"/>
-            <a:r>
-              <a:rPr lang="en-US" smtClean="0"/>
-              <a:t>Third level</a:t>
-            </a:r>
-          </a:p>
-          <a:p>
-            <a:pPr lvl="3"/>
-            <a:r>
-              <a:rPr lang="en-US" smtClean="0"/>
-              <a:t>Fourth level</a:t>
-            </a:r>
-          </a:p>
-          <a:p>
-            <a:pPr lvl="4"/>
-            <a:r>
-              <a:rPr lang="en-US" smtClean="0"/>
-              <a:t>Fifth level</a:t>
-            </a:r>
-            <a:endParaRPr lang="en-US"/>
-          </a:p>
-        </p:txBody>
-      </p:sp>
-      <p:sp>
-        <p:nvSpPr>
-          <p:cNvPr id="4" name="Content Placeholder 3"/>
-          <p:cNvSpPr>
-            <a:spLocks noGrp="1"/>
-          </p:cNvSpPr>
-          <p:nvPr>
-            <p:ph sz="half" idx="2"/>
-          </p:nvPr>
-        </p:nvSpPr>
-        <p:spPr>
-          <a:xfrm>
-            <a:off x="4648200" y="1600200"/>
-            <a:ext cx="4038600" cy="4525963"/>
-          </a:xfrm>
-        </p:spPr>
-        <p:txBody>
-          <a:bodyPr/>
-          <a:lstStyle>
-            <a:lvl1pPr>
-              <a:defRPr sz="2800"/>
-            </a:lvl1pPr>
-            <a:lvl2pPr>
-              <a:defRPr sz="2400"/>
-            </a:lvl2pPr>
-            <a:lvl3pPr>
-              <a:defRPr sz="2000"/>
-            </a:lvl3pPr>
-            <a:lvl4pPr>
-              <a:defRPr sz="1800"/>
-            </a:lvl4pPr>
-            <a:lvl5pPr>
-              <a:defRPr sz="1800"/>
-            </a:lvl5pPr>
-            <a:lvl6pPr>
-              <a:defRPr sz="1800"/>
-            </a:lvl6pPr>
-            <a:lvl7pPr>
-              <a:defRPr sz="1800"/>
-            </a:lvl7pPr>
-            <a:lvl8pPr>
-              <a:defRPr sz="1800"/>
-            </a:lvl8pPr>
-            <a:lvl9pPr>
-              <a:defRPr sz="1800"/>
-            </a:lvl9pPr>
-          </a:lstStyle>
-          <a:p>
-            <a:pPr lvl="0"/>
-            <a:r>
-              <a:rPr lang="en-US" smtClean="0"/>
-              <a:t>Click to edit Master text styles</a:t>
-            </a:r>
-          </a:p>
-          <a:p>
-            <a:pPr lvl="1"/>
-            <a:r>
-              <a:rPr lang="en-US" smtClean="0"/>
-              <a:t>Second level</a:t>
-            </a:r>
-          </a:p>
-          <a:p>
-            <a:pPr lvl="2"/>
-            <a:r>
-              <a:rPr lang="en-US" smtClean="0"/>
-              <a:t>Third level</a:t>
-            </a:r>
-          </a:p>
-          <a:p>
-            <a:pPr lvl="3"/>
-            <a:r>
-              <a:rPr lang="en-US" smtClean="0"/>
-              <a:t>Fourth level</a:t>
-            </a:r>
-          </a:p>
-          <a:p>
-            <a:pPr lvl="4"/>
-            <a:r>
-              <a:rPr lang="en-US" smtClean="0"/>
-              <a:t>Fifth level</a:t>
-            </a:r>
-            <a:endParaRPr lang="en-US"/>
-          </a:p>
-        </p:txBody>
-      </p:sp>
-      <p:sp>
-        <p:nvSpPr>
-          <p:cNvPr id="5" name="Date Placeholder 4"/>
-          <p:cNvSpPr>
-            <a:spLocks noGrp="1"/>
-          </p:cNvSpPr>
-          <p:nvPr>
-            <p:ph type="dt" sz="half" idx="10"/>
-          </p:nvPr>
-        </p:nvSpPr>
-        <p:spPr/>
-        <p:txBody>
-          <a:bodyPr/>
-          <a:lstStyle/>
-          <a:p>
-            <a:fld id="{5BCAD085-E8A6-8845-BD4E-CB4CCA059FC4}" type="datetimeFigureOut">
-              <a:rPr lang="en-US" smtClean="0"/>
-              <a:t>1/27/13</a:t>
-            </a:fld>
-            <a:endParaRPr lang="en-US"/>
-          </a:p>
-        </p:txBody>
-      </p:sp>
-      <p:sp>
-        <p:nvSpPr>
-          <p:cNvPr id="6" name="Footer Placeholder 5"/>
-          <p:cNvSpPr>
-            <a:spLocks noGrp="1"/>
-          </p:cNvSpPr>
-          <p:nvPr>
-            <p:ph type="ftr" sz="quarter" idx="11"/>
-          </p:nvPr>
-        </p:nvSpPr>
-        <p:spPr/>
-        <p:txBody>
-          <a:bodyPr/>
-          <a:lstStyle/>
-          <a:p>
-            <a:endParaRPr lang="en-US"/>
-          </a:p>
-        </p:txBody>
-      </p:sp>
-      <p:sp>
-        <p:nvSpPr>
-          <p:cNvPr id="7" name="Slide Number Placeholder 6"/>
-          <p:cNvSpPr>
-            <a:spLocks noGrp="1"/>
-          </p:cNvSpPr>
-          <p:nvPr>
-            <p:ph type="sldNum" sz="quarter" idx="12"/>
-          </p:nvPr>
-        </p:nvSpPr>
-        <p:spPr/>
-        <p:txBody>
-          <a:bodyPr/>
-          <a:lstStyle/>
-          <a:p>
-            <a:fld id="{C1FF6DA9-008F-8B48-92A6-B652298478BF}" type="slidenum">
-              <a:rPr lang="en-US" smtClean="0"/>
-              <a:t>‹#›</a:t>
-            </a:fld>
-            <a:endParaRPr lang="en-US"/>
-          </a:p>
-        </p:txBody>
-      </p:sp>
-    </p:spTree>
-    <p:extLst>
-      <p:ext uri="{BB962C8B-B14F-4D97-AF65-F5344CB8AC3E}">
-        <p14:creationId xmlns:p14="http://schemas.microsoft.com/office/powerpoint/2010/main" val="2782244947"/>
-      </p:ext>
-    </p:extLst>
-  </p:cSld>
-  <p:clrMapOvr>
-    <a:masterClrMapping/>
-  </p:clrMapOvr>
-</p:sldLayout>
-</file>
-
 <file path=ppt/slideLayouts/slideLayout4.xml><?xml version="1.0" encoding="utf-8"?>
 <p:sldLayout xmlns:a="http://schemas.openxmlformats.org/drawingml/2006/main" xmlns:r="http://schemas.openxmlformats.org/officeDocument/2006/relationships" xmlns:p="http://schemas.openxmlformats.org/presentationml/2006/main" type="twoObj" preserve="1">
   <p:cSld name="Two Content">
@@ -3125,546 +1829,6 @@
 </p:sldLayout>
 </file>
 
-<file path=ppt/slideLayouts/slideLayout5.xml><?xml version="1.0" encoding="utf-8"?>
-<p:sldLayout xmlns:a="http://schemas.openxmlformats.org/drawingml/2006/main" xmlns:r="http://schemas.openxmlformats.org/officeDocument/2006/relationships" xmlns:p="http://schemas.openxmlformats.org/presentationml/2006/main" type="twoTxTwoObj" preserve="1">
-  <p:cSld name="Comparison">
-    <p:spTree>
-      <p:nvGrpSpPr>
-        <p:cNvPr id="1" name=""/>
-        <p:cNvGrpSpPr/>
-        <p:nvPr/>
-      </p:nvGrpSpPr>
-      <p:grpSpPr>
-        <a:xfrm>
-          <a:off x="0" y="0"/>
-          <a:ext cx="0" cy="0"/>
-          <a:chOff x="0" y="0"/>
-          <a:chExt cx="0" cy="0"/>
-        </a:xfrm>
-      </p:grpSpPr>
-      <p:sp>
-        <p:nvSpPr>
-          <p:cNvPr id="2" name="Title 1"/>
-          <p:cNvSpPr>
-            <a:spLocks noGrp="1"/>
-          </p:cNvSpPr>
-          <p:nvPr>
-            <p:ph type="title"/>
-          </p:nvPr>
-        </p:nvSpPr>
-        <p:spPr/>
-        <p:txBody>
-          <a:bodyPr/>
-          <a:lstStyle>
-            <a:lvl1pPr>
-              <a:defRPr/>
-            </a:lvl1pPr>
-          </a:lstStyle>
-          <a:p>
-            <a:r>
-              <a:rPr lang="en-US" smtClean="0"/>
-              <a:t>Click to edit Master title style</a:t>
-            </a:r>
-            <a:endParaRPr lang="en-US"/>
-          </a:p>
-        </p:txBody>
-      </p:sp>
-      <p:sp>
-        <p:nvSpPr>
-          <p:cNvPr id="3" name="Text Placeholder 2"/>
-          <p:cNvSpPr>
-            <a:spLocks noGrp="1"/>
-          </p:cNvSpPr>
-          <p:nvPr>
-            <p:ph type="body" idx="1"/>
-          </p:nvPr>
-        </p:nvSpPr>
-        <p:spPr>
-          <a:xfrm>
-            <a:off x="457200" y="1535113"/>
-            <a:ext cx="4040188" cy="639762"/>
-          </a:xfrm>
-        </p:spPr>
-        <p:txBody>
-          <a:bodyPr anchor="b"/>
-          <a:lstStyle>
-            <a:lvl1pPr marL="0" indent="0">
-              <a:buNone/>
-              <a:defRPr sz="2400" b="1"/>
-            </a:lvl1pPr>
-            <a:lvl2pPr marL="457200" indent="0">
-              <a:buNone/>
-              <a:defRPr sz="2000" b="1"/>
-            </a:lvl2pPr>
-            <a:lvl3pPr marL="914400" indent="0">
-              <a:buNone/>
-              <a:defRPr sz="1800" b="1"/>
-            </a:lvl3pPr>
-            <a:lvl4pPr marL="1371600" indent="0">
-              <a:buNone/>
-              <a:defRPr sz="1600" b="1"/>
-            </a:lvl4pPr>
-            <a:lvl5pPr marL="1828800" indent="0">
-              <a:buNone/>
-              <a:defRPr sz="1600" b="1"/>
-            </a:lvl5pPr>
-            <a:lvl6pPr marL="2286000" indent="0">
-              <a:buNone/>
-              <a:defRPr sz="1600" b="1"/>
-            </a:lvl6pPr>
-            <a:lvl7pPr marL="2743200" indent="0">
-              <a:buNone/>
-              <a:defRPr sz="1600" b="1"/>
-            </a:lvl7pPr>
-            <a:lvl8pPr marL="3200400" indent="0">
-              <a:buNone/>
-              <a:defRPr sz="1600" b="1"/>
-            </a:lvl8pPr>
-            <a:lvl9pPr marL="3657600" indent="0">
-              <a:buNone/>
-              <a:defRPr sz="1600" b="1"/>
-            </a:lvl9pPr>
-          </a:lstStyle>
-          <a:p>
-            <a:pPr lvl="0"/>
-            <a:r>
-              <a:rPr lang="en-US" smtClean="0"/>
-              <a:t>Click to edit Master text styles</a:t>
-            </a:r>
-          </a:p>
-        </p:txBody>
-      </p:sp>
-      <p:sp>
-        <p:nvSpPr>
-          <p:cNvPr id="4" name="Content Placeholder 3"/>
-          <p:cNvSpPr>
-            <a:spLocks noGrp="1"/>
-          </p:cNvSpPr>
-          <p:nvPr>
-            <p:ph sz="half" idx="2"/>
-          </p:nvPr>
-        </p:nvSpPr>
-        <p:spPr>
-          <a:xfrm>
-            <a:off x="457200" y="2174875"/>
-            <a:ext cx="4040188" cy="3951288"/>
-          </a:xfrm>
-        </p:spPr>
-        <p:txBody>
-          <a:bodyPr/>
-          <a:lstStyle>
-            <a:lvl1pPr>
-              <a:defRPr sz="2400"/>
-            </a:lvl1pPr>
-            <a:lvl2pPr>
-              <a:defRPr sz="2000"/>
-            </a:lvl2pPr>
-            <a:lvl3pPr>
-              <a:defRPr sz="1800"/>
-            </a:lvl3pPr>
-            <a:lvl4pPr>
-              <a:defRPr sz="1600"/>
-            </a:lvl4pPr>
-            <a:lvl5pPr>
-              <a:defRPr sz="1600"/>
-            </a:lvl5pPr>
-            <a:lvl6pPr>
-              <a:defRPr sz="1600"/>
-            </a:lvl6pPr>
-            <a:lvl7pPr>
-              <a:defRPr sz="1600"/>
-            </a:lvl7pPr>
-            <a:lvl8pPr>
-              <a:defRPr sz="1600"/>
-            </a:lvl8pPr>
-            <a:lvl9pPr>
-              <a:defRPr sz="1600"/>
-            </a:lvl9pPr>
-          </a:lstStyle>
-          <a:p>
-            <a:pPr lvl="0"/>
-            <a:r>
-              <a:rPr lang="en-US" smtClean="0"/>
-              <a:t>Click to edit Master text styles</a:t>
-            </a:r>
-          </a:p>
-          <a:p>
-            <a:pPr lvl="1"/>
-            <a:r>
-              <a:rPr lang="en-US" smtClean="0"/>
-              <a:t>Second level</a:t>
-            </a:r>
-          </a:p>
-          <a:p>
-            <a:pPr lvl="2"/>
-            <a:r>
-              <a:rPr lang="en-US" smtClean="0"/>
-              <a:t>Third level</a:t>
-            </a:r>
-          </a:p>
-          <a:p>
-            <a:pPr lvl="3"/>
-            <a:r>
-              <a:rPr lang="en-US" smtClean="0"/>
-              <a:t>Fourth level</a:t>
-            </a:r>
-          </a:p>
-          <a:p>
-            <a:pPr lvl="4"/>
-            <a:r>
-              <a:rPr lang="en-US" smtClean="0"/>
-              <a:t>Fifth level</a:t>
-            </a:r>
-            <a:endParaRPr lang="en-US"/>
-          </a:p>
-        </p:txBody>
-      </p:sp>
-      <p:sp>
-        <p:nvSpPr>
-          <p:cNvPr id="5" name="Text Placeholder 4"/>
-          <p:cNvSpPr>
-            <a:spLocks noGrp="1"/>
-          </p:cNvSpPr>
-          <p:nvPr>
-            <p:ph type="body" sz="quarter" idx="3"/>
-          </p:nvPr>
-        </p:nvSpPr>
-        <p:spPr>
-          <a:xfrm>
-            <a:off x="4645025" y="1535113"/>
-            <a:ext cx="4041775" cy="639762"/>
-          </a:xfrm>
-        </p:spPr>
-        <p:txBody>
-          <a:bodyPr anchor="b"/>
-          <a:lstStyle>
-            <a:lvl1pPr marL="0" indent="0">
-              <a:buNone/>
-              <a:defRPr sz="2400" b="1"/>
-            </a:lvl1pPr>
-            <a:lvl2pPr marL="457200" indent="0">
-              <a:buNone/>
-              <a:defRPr sz="2000" b="1"/>
-            </a:lvl2pPr>
-            <a:lvl3pPr marL="914400" indent="0">
-              <a:buNone/>
-              <a:defRPr sz="1800" b="1"/>
-            </a:lvl3pPr>
-            <a:lvl4pPr marL="1371600" indent="0">
-              <a:buNone/>
-              <a:defRPr sz="1600" b="1"/>
-            </a:lvl4pPr>
-            <a:lvl5pPr marL="1828800" indent="0">
-              <a:buNone/>
-              <a:defRPr sz="1600" b="1"/>
-            </a:lvl5pPr>
-            <a:lvl6pPr marL="2286000" indent="0">
-              <a:buNone/>
-              <a:defRPr sz="1600" b="1"/>
-            </a:lvl6pPr>
-            <a:lvl7pPr marL="2743200" indent="0">
-              <a:buNone/>
-              <a:defRPr sz="1600" b="1"/>
-            </a:lvl7pPr>
-            <a:lvl8pPr marL="3200400" indent="0">
-              <a:buNone/>
-              <a:defRPr sz="1600" b="1"/>
-            </a:lvl8pPr>
-            <a:lvl9pPr marL="3657600" indent="0">
-              <a:buNone/>
-              <a:defRPr sz="1600" b="1"/>
-            </a:lvl9pPr>
-          </a:lstStyle>
-          <a:p>
-            <a:pPr lvl="0"/>
-            <a:r>
-              <a:rPr lang="en-US" smtClean="0"/>
-              <a:t>Click to edit Master text styles</a:t>
-            </a:r>
-          </a:p>
-        </p:txBody>
-      </p:sp>
-      <p:sp>
-        <p:nvSpPr>
-          <p:cNvPr id="6" name="Content Placeholder 5"/>
-          <p:cNvSpPr>
-            <a:spLocks noGrp="1"/>
-          </p:cNvSpPr>
-          <p:nvPr>
-            <p:ph sz="quarter" idx="4"/>
-          </p:nvPr>
-        </p:nvSpPr>
-        <p:spPr>
-          <a:xfrm>
-            <a:off x="4645025" y="2174875"/>
-            <a:ext cx="4041775" cy="3951288"/>
-          </a:xfrm>
-        </p:spPr>
-        <p:txBody>
-          <a:bodyPr/>
-          <a:lstStyle>
-            <a:lvl1pPr>
-              <a:defRPr sz="2400"/>
-            </a:lvl1pPr>
-            <a:lvl2pPr>
-              <a:defRPr sz="2000"/>
-            </a:lvl2pPr>
-            <a:lvl3pPr>
-              <a:defRPr sz="1800"/>
-            </a:lvl3pPr>
-            <a:lvl4pPr>
-              <a:defRPr sz="1600"/>
-            </a:lvl4pPr>
-            <a:lvl5pPr>
-              <a:defRPr sz="1600"/>
-            </a:lvl5pPr>
-            <a:lvl6pPr>
-              <a:defRPr sz="1600"/>
-            </a:lvl6pPr>
-            <a:lvl7pPr>
-              <a:defRPr sz="1600"/>
-            </a:lvl7pPr>
-            <a:lvl8pPr>
-              <a:defRPr sz="1600"/>
-            </a:lvl8pPr>
-            <a:lvl9pPr>
-              <a:defRPr sz="1600"/>
-            </a:lvl9pPr>
-          </a:lstStyle>
-          <a:p>
-            <a:pPr lvl="0"/>
-            <a:r>
-              <a:rPr lang="en-US" smtClean="0"/>
-              <a:t>Click to edit Master text styles</a:t>
-            </a:r>
-          </a:p>
-          <a:p>
-            <a:pPr lvl="1"/>
-            <a:r>
-              <a:rPr lang="en-US" smtClean="0"/>
-              <a:t>Second level</a:t>
-            </a:r>
-          </a:p>
-          <a:p>
-            <a:pPr lvl="2"/>
-            <a:r>
-              <a:rPr lang="en-US" smtClean="0"/>
-              <a:t>Third level</a:t>
-            </a:r>
-          </a:p>
-          <a:p>
-            <a:pPr lvl="3"/>
-            <a:r>
-              <a:rPr lang="en-US" smtClean="0"/>
-              <a:t>Fourth level</a:t>
-            </a:r>
-          </a:p>
-          <a:p>
-            <a:pPr lvl="4"/>
-            <a:r>
-              <a:rPr lang="en-US" smtClean="0"/>
-              <a:t>Fifth level</a:t>
-            </a:r>
-            <a:endParaRPr lang="en-US"/>
-          </a:p>
-        </p:txBody>
-      </p:sp>
-      <p:sp>
-        <p:nvSpPr>
-          <p:cNvPr id="7" name="Date Placeholder 6"/>
-          <p:cNvSpPr>
-            <a:spLocks noGrp="1"/>
-          </p:cNvSpPr>
-          <p:nvPr>
-            <p:ph type="dt" sz="half" idx="10"/>
-          </p:nvPr>
-        </p:nvSpPr>
-        <p:spPr/>
-        <p:txBody>
-          <a:bodyPr/>
-          <a:lstStyle/>
-          <a:p>
-            <a:fld id="{5BCAD085-E8A6-8845-BD4E-CB4CCA059FC4}" type="datetimeFigureOut">
-              <a:rPr lang="en-US" smtClean="0"/>
-              <a:t>1/27/13</a:t>
-            </a:fld>
-            <a:endParaRPr lang="en-US"/>
-          </a:p>
-        </p:txBody>
-      </p:sp>
-      <p:sp>
-        <p:nvSpPr>
-          <p:cNvPr id="8" name="Footer Placeholder 7"/>
-          <p:cNvSpPr>
-            <a:spLocks noGrp="1"/>
-          </p:cNvSpPr>
-          <p:nvPr>
-            <p:ph type="ftr" sz="quarter" idx="11"/>
-          </p:nvPr>
-        </p:nvSpPr>
-        <p:spPr/>
-        <p:txBody>
-          <a:bodyPr/>
-          <a:lstStyle/>
-          <a:p>
-            <a:endParaRPr lang="en-US"/>
-          </a:p>
-        </p:txBody>
-      </p:sp>
-      <p:sp>
-        <p:nvSpPr>
-          <p:cNvPr id="9" name="Slide Number Placeholder 8"/>
-          <p:cNvSpPr>
-            <a:spLocks noGrp="1"/>
-          </p:cNvSpPr>
-          <p:nvPr>
-            <p:ph type="sldNum" sz="quarter" idx="12"/>
-          </p:nvPr>
-        </p:nvSpPr>
-        <p:spPr/>
-        <p:txBody>
-          <a:bodyPr/>
-          <a:lstStyle/>
-          <a:p>
-            <a:fld id="{C1FF6DA9-008F-8B48-92A6-B652298478BF}" type="slidenum">
-              <a:rPr lang="en-US" smtClean="0"/>
-              <a:t>‹#›</a:t>
-            </a:fld>
-            <a:endParaRPr lang="en-US"/>
-          </a:p>
-        </p:txBody>
-      </p:sp>
-    </p:spTree>
-    <p:extLst>
-      <p:ext uri="{BB962C8B-B14F-4D97-AF65-F5344CB8AC3E}">
-        <p14:creationId xmlns:p14="http://schemas.microsoft.com/office/powerpoint/2010/main" val="990158736"/>
-      </p:ext>
-    </p:extLst>
-  </p:cSld>
-  <p:clrMapOvr>
-    <a:masterClrMapping/>
-  </p:clrMapOvr>
-</p:sldLayout>
-</file>
-
-<file path=ppt/slideLayouts/slideLayout6.xml><?xml version="1.0" encoding="utf-8"?>
-<p:sldLayout xmlns:a="http://schemas.openxmlformats.org/drawingml/2006/main" xmlns:r="http://schemas.openxmlformats.org/officeDocument/2006/relationships" xmlns:p="http://schemas.openxmlformats.org/presentationml/2006/main" type="titleOnly" preserve="1">
-  <p:cSld name="Title Only">
-    <p:spTree>
-      <p:nvGrpSpPr>
-        <p:cNvPr id="1" name=""/>
-        <p:cNvGrpSpPr/>
-        <p:nvPr/>
-      </p:nvGrpSpPr>
-      <p:grpSpPr>
-        <a:xfrm>
-          <a:off x="0" y="0"/>
-          <a:ext cx="0" cy="0"/>
-          <a:chOff x="0" y="0"/>
-          <a:chExt cx="0" cy="0"/>
-        </a:xfrm>
-      </p:grpSpPr>
-      <p:sp>
-        <p:nvSpPr>
-          <p:cNvPr id="2" name="Title 1"/>
-          <p:cNvSpPr>
-            <a:spLocks noGrp="1"/>
-          </p:cNvSpPr>
-          <p:nvPr>
-            <p:ph type="title"/>
-          </p:nvPr>
-        </p:nvSpPr>
-        <p:spPr/>
-        <p:txBody>
-          <a:bodyPr/>
-          <a:lstStyle/>
-          <a:p>
-            <a:r>
-              <a:rPr lang="en-US" smtClean="0"/>
-              <a:t>Click to edit Master title style</a:t>
-            </a:r>
-            <a:endParaRPr lang="en-US"/>
-          </a:p>
-        </p:txBody>
-      </p:sp>
-      <p:sp>
-        <p:nvSpPr>
-          <p:cNvPr id="3" name="Date Placeholder 2"/>
-          <p:cNvSpPr>
-            <a:spLocks noGrp="1"/>
-          </p:cNvSpPr>
-          <p:nvPr>
-            <p:ph type="dt" sz="half" idx="10"/>
-          </p:nvPr>
-        </p:nvSpPr>
-        <p:spPr/>
-        <p:txBody>
-          <a:bodyPr/>
-          <a:lstStyle/>
-          <a:p>
-            <a:fld id="{5BCAD085-E8A6-8845-BD4E-CB4CCA059FC4}" type="datetimeFigureOut">
-              <a:rPr lang="en-US" smtClean="0"/>
-              <a:t>1/27/13</a:t>
-            </a:fld>
-            <a:endParaRPr lang="en-US"/>
-          </a:p>
-        </p:txBody>
-      </p:sp>
-      <p:sp>
-        <p:nvSpPr>
-          <p:cNvPr id="4" name="Footer Placeholder 3"/>
-          <p:cNvSpPr>
-            <a:spLocks noGrp="1"/>
-          </p:cNvSpPr>
-          <p:nvPr>
-            <p:ph type="ftr" sz="quarter" idx="11"/>
-          </p:nvPr>
-        </p:nvSpPr>
-        <p:spPr/>
-        <p:txBody>
-          <a:bodyPr/>
-          <a:lstStyle/>
-          <a:p>
-            <a:endParaRPr lang="en-US"/>
-          </a:p>
-        </p:txBody>
-      </p:sp>
-      <p:sp>
-        <p:nvSpPr>
-          <p:cNvPr id="5" name="Slide Number Placeholder 4"/>
-          <p:cNvSpPr>
-            <a:spLocks noGrp="1"/>
-          </p:cNvSpPr>
-          <p:nvPr>
-            <p:ph type="sldNum" sz="quarter" idx="12"/>
-          </p:nvPr>
-        </p:nvSpPr>
-        <p:spPr/>
-        <p:txBody>
-          <a:bodyPr/>
-          <a:lstStyle/>
-          <a:p>
-            <a:fld id="{C1FF6DA9-008F-8B48-92A6-B652298478BF}" type="slidenum">
-              <a:rPr lang="en-US" smtClean="0"/>
-              <a:t>‹#›</a:t>
-            </a:fld>
-            <a:endParaRPr lang="en-US"/>
-          </a:p>
-        </p:txBody>
-      </p:sp>
-    </p:spTree>
-    <p:extLst>
-      <p:ext uri="{BB962C8B-B14F-4D97-AF65-F5344CB8AC3E}">
-        <p14:creationId xmlns:p14="http://schemas.microsoft.com/office/powerpoint/2010/main" val="727027711"/>
-      </p:ext>
-    </p:extLst>
-  </p:cSld>
-  <p:clrMapOvr>
-    <a:masterClrMapping/>
-  </p:clrMapOvr>
-</p:sldLayout>
-</file>
-
 <file path=ppt/slideLayouts/slideLayout6.xml><?xml version="1.0" encoding="utf-8"?>
 <p:sldLayout xmlns:a="http://schemas.openxmlformats.org/drawingml/2006/main" xmlns:r="http://schemas.openxmlformats.org/officeDocument/2006/relationships" xmlns:p="http://schemas.openxmlformats.org/presentationml/2006/main" type="titleOnly" preserve="1">
   <p:cSld name="Title Only">
@@ -3878,378 +2042,6 @@
 </p:sldLayout>
 </file>
 
-<file path=ppt/slideLayouts/slideLayout7.xml><?xml version="1.0" encoding="utf-8"?>
-<p:sldLayout xmlns:a="http://schemas.openxmlformats.org/drawingml/2006/main" xmlns:r="http://schemas.openxmlformats.org/officeDocument/2006/relationships" xmlns:p="http://schemas.openxmlformats.org/presentationml/2006/main" type="blank" preserve="1">
-  <p:cSld name="Blank">
-    <p:spTree>
-      <p:nvGrpSpPr>
-        <p:cNvPr id="1" name=""/>
-        <p:cNvGrpSpPr/>
-        <p:nvPr/>
-      </p:nvGrpSpPr>
-      <p:grpSpPr>
-        <a:xfrm>
-          <a:off x="0" y="0"/>
-          <a:ext cx="0" cy="0"/>
-          <a:chOff x="0" y="0"/>
-          <a:chExt cx="0" cy="0"/>
-        </a:xfrm>
-      </p:grpSpPr>
-      <p:sp>
-        <p:nvSpPr>
-          <p:cNvPr id="2" name="Date Placeholder 1"/>
-          <p:cNvSpPr>
-            <a:spLocks noGrp="1"/>
-          </p:cNvSpPr>
-          <p:nvPr>
-            <p:ph type="dt" sz="half" idx="10"/>
-          </p:nvPr>
-        </p:nvSpPr>
-        <p:spPr/>
-        <p:txBody>
-          <a:bodyPr/>
-          <a:lstStyle/>
-          <a:p>
-            <a:fld id="{5BCAD085-E8A6-8845-BD4E-CB4CCA059FC4}" type="datetimeFigureOut">
-              <a:rPr lang="en-US" smtClean="0"/>
-              <a:t>1/27/13</a:t>
-            </a:fld>
-            <a:endParaRPr lang="en-US"/>
-          </a:p>
-        </p:txBody>
-      </p:sp>
-      <p:sp>
-        <p:nvSpPr>
-          <p:cNvPr id="3" name="Footer Placeholder 2"/>
-          <p:cNvSpPr>
-            <a:spLocks noGrp="1"/>
-          </p:cNvSpPr>
-          <p:nvPr>
-            <p:ph type="ftr" sz="quarter" idx="11"/>
-          </p:nvPr>
-        </p:nvSpPr>
-        <p:spPr/>
-        <p:txBody>
-          <a:bodyPr/>
-          <a:lstStyle/>
-          <a:p>
-            <a:endParaRPr lang="en-US"/>
-          </a:p>
-        </p:txBody>
-      </p:sp>
-      <p:sp>
-        <p:nvSpPr>
-          <p:cNvPr id="4" name="Slide Number Placeholder 3"/>
-          <p:cNvSpPr>
-            <a:spLocks noGrp="1"/>
-          </p:cNvSpPr>
-          <p:nvPr>
-            <p:ph type="sldNum" sz="quarter" idx="12"/>
-          </p:nvPr>
-        </p:nvSpPr>
-        <p:spPr/>
-        <p:txBody>
-          <a:bodyPr/>
-          <a:lstStyle/>
-          <a:p>
-            <a:fld id="{C1FF6DA9-008F-8B48-92A6-B652298478BF}" type="slidenum">
-              <a:rPr lang="en-US" smtClean="0"/>
-              <a:t>‹#›</a:t>
-            </a:fld>
-            <a:endParaRPr lang="en-US"/>
-          </a:p>
-        </p:txBody>
-      </p:sp>
-    </p:spTree>
-    <p:extLst>
-      <p:ext uri="{BB962C8B-B14F-4D97-AF65-F5344CB8AC3E}">
-        <p14:creationId xmlns:p14="http://schemas.microsoft.com/office/powerpoint/2010/main" val="1212999818"/>
-      </p:ext>
-    </p:extLst>
-  </p:cSld>
-  <p:clrMapOvr>
-    <a:masterClrMapping/>
-  </p:clrMapOvr>
-</p:sldLayout>
-</file>
-
-<file path=ppt/slideLayouts/slideLayout8.xml><?xml version="1.0" encoding="utf-8"?>
-<p:sldLayout xmlns:a="http://schemas.openxmlformats.org/drawingml/2006/main" xmlns:r="http://schemas.openxmlformats.org/officeDocument/2006/relationships" xmlns:p="http://schemas.openxmlformats.org/presentationml/2006/main" type="objTx" preserve="1">
-  <p:cSld name="Content with Caption">
-    <p:spTree>
-      <p:nvGrpSpPr>
-        <p:cNvPr id="1" name=""/>
-        <p:cNvGrpSpPr/>
-        <p:nvPr/>
-      </p:nvGrpSpPr>
-      <p:grpSpPr>
-        <a:xfrm>
-          <a:off x="0" y="0"/>
-          <a:ext cx="0" cy="0"/>
-          <a:chOff x="0" y="0"/>
-          <a:chExt cx="0" cy="0"/>
-        </a:xfrm>
-      </p:grpSpPr>
-      <p:sp>
-        <p:nvSpPr>
-          <p:cNvPr id="2" name="Title 1"/>
-          <p:cNvSpPr>
-            <a:spLocks noGrp="1"/>
-          </p:cNvSpPr>
-          <p:nvPr>
-            <p:ph type="title"/>
-          </p:nvPr>
-        </p:nvSpPr>
-        <p:spPr>
-          <a:xfrm>
-            <a:off x="457200" y="273050"/>
-            <a:ext cx="3008313" cy="1162050"/>
-          </a:xfrm>
-        </p:spPr>
-        <p:txBody>
-          <a:bodyPr anchor="b"/>
-          <a:lstStyle>
-            <a:lvl1pPr algn="l">
-              <a:defRPr sz="2000" b="1"/>
-            </a:lvl1pPr>
-          </a:lstStyle>
-          <a:p>
-            <a:r>
-              <a:rPr lang="en-US" smtClean="0"/>
-              <a:t>Click to edit Master title style</a:t>
-            </a:r>
-            <a:endParaRPr lang="en-US"/>
-          </a:p>
-        </p:txBody>
-      </p:sp>
-      <p:sp>
-        <p:nvSpPr>
-          <p:cNvPr id="3" name="Content Placeholder 2"/>
-          <p:cNvSpPr>
-            <a:spLocks noGrp="1"/>
-          </p:cNvSpPr>
-          <p:nvPr>
-            <p:ph idx="1"/>
-          </p:nvPr>
-        </p:nvSpPr>
-        <p:spPr>
-          <a:xfrm>
-            <a:off x="3575050" y="273050"/>
-            <a:ext cx="5111750" cy="5853113"/>
-          </a:xfrm>
-        </p:spPr>
-        <p:txBody>
-          <a:bodyPr/>
-          <a:lstStyle>
-            <a:lvl1pPr>
-              <a:defRPr sz="3200"/>
-            </a:lvl1pPr>
-            <a:lvl2pPr>
-              <a:defRPr sz="2800"/>
-            </a:lvl2pPr>
-            <a:lvl3pPr>
-              <a:defRPr sz="2400"/>
-            </a:lvl3pPr>
-            <a:lvl4pPr>
-              <a:defRPr sz="2000"/>
-            </a:lvl4pPr>
-            <a:lvl5pPr>
-              <a:defRPr sz="2000"/>
-            </a:lvl5pPr>
-            <a:lvl6pPr>
-              <a:defRPr sz="2000"/>
-            </a:lvl6pPr>
-            <a:lvl7pPr>
-              <a:defRPr sz="2000"/>
-            </a:lvl7pPr>
-            <a:lvl8pPr>
-              <a:defRPr sz="2000"/>
-            </a:lvl8pPr>
-            <a:lvl9pPr>
-              <a:defRPr sz="2000"/>
-            </a:lvl9pPr>
-          </a:lstStyle>
-          <a:p>
-            <a:pPr lvl="0"/>
-            <a:r>
-              <a:rPr lang="en-US" smtClean="0"/>
-              <a:t>Click to edit Master text styles</a:t>
-            </a:r>
-          </a:p>
-          <a:p>
-            <a:pPr lvl="1"/>
-            <a:r>
-              <a:rPr lang="en-US" smtClean="0"/>
-              <a:t>Second level</a:t>
-            </a:r>
-          </a:p>
-          <a:p>
-            <a:pPr lvl="2"/>
-            <a:r>
-              <a:rPr lang="en-US" smtClean="0"/>
-              <a:t>Third level</a:t>
-            </a:r>
-          </a:p>
-          <a:p>
-            <a:pPr lvl="3"/>
-            <a:r>
-              <a:rPr lang="en-US" smtClean="0"/>
-              <a:t>Fourth level</a:t>
-            </a:r>
-          </a:p>
-          <a:p>
-            <a:pPr lvl="4"/>
-            <a:r>
-              <a:rPr lang="en-US" smtClean="0"/>
-              <a:t>Fifth level</a:t>
-            </a:r>
-            <a:endParaRPr lang="en-US"/>
-          </a:p>
-        </p:txBody>
-      </p:sp>
-      <p:sp>
-        <p:nvSpPr>
-          <p:cNvPr id="4" name="Text Placeholder 3"/>
-          <p:cNvSpPr>
-            <a:spLocks noGrp="1"/>
-          </p:cNvSpPr>
-          <p:nvPr>
-            <p:ph type="body" sz="half" idx="2"/>
-          </p:nvPr>
-        </p:nvSpPr>
-        <p:spPr>
-          <a:xfrm>
-            <a:off x="457200" y="1435100"/>
-            <a:ext cx="3008313" cy="4691063"/>
-          </a:xfrm>
-        </p:spPr>
-        <p:txBody>
-          <a:bodyPr/>
-          <a:lstStyle>
-            <a:lvl1pPr marL="0" indent="0">
-              <a:buNone/>
-              <a:defRPr sz="1400"/>
-            </a:lvl1pPr>
-            <a:lvl2pPr marL="457200" indent="0">
-              <a:buNone/>
-              <a:defRPr sz="1200"/>
-            </a:lvl2pPr>
-            <a:lvl3pPr marL="914400" indent="0">
-              <a:buNone/>
-              <a:defRPr sz="1000"/>
-            </a:lvl3pPr>
-            <a:lvl4pPr marL="1371600" indent="0">
-              <a:buNone/>
-              <a:defRPr sz="900"/>
-            </a:lvl4pPr>
-            <a:lvl5pPr marL="1828800" indent="0">
-              <a:buNone/>
-              <a:defRPr sz="900"/>
-            </a:lvl5pPr>
-            <a:lvl6pPr marL="2286000" indent="0">
-              <a:buNone/>
-              <a:defRPr sz="900"/>
-            </a:lvl6pPr>
-            <a:lvl7pPr marL="2743200" indent="0">
-              <a:buNone/>
-              <a:defRPr sz="900"/>
-            </a:lvl7pPr>
-            <a:lvl8pPr marL="3200400" indent="0">
-              <a:buNone/>
-              <a:defRPr sz="900"/>
-            </a:lvl8pPr>
-            <a:lvl9pPr marL="3657600" indent="0">
-              <a:buNone/>
-              <a:defRPr sz="900"/>
-            </a:lvl9pPr>
-          </a:lstStyle>
-          <a:p>
-            <a:pPr lvl="0"/>
-            <a:r>
-              <a:rPr lang="en-US" smtClean="0"/>
-              <a:t>Click to edit Master text styles</a:t>
-            </a:r>
-          </a:p>
-        </p:txBody>
-      </p:sp>
-      <p:sp>
-        <p:nvSpPr>
-          <p:cNvPr id="5" name="Date Placeholder 4"/>
-          <p:cNvSpPr>
-            <a:spLocks noGrp="1"/>
-          </p:cNvSpPr>
-          <p:nvPr>
-            <p:ph type="dt" sz="half" idx="10"/>
-          </p:nvPr>
-        </p:nvSpPr>
-        <p:spPr/>
-        <p:txBody>
-          <a:bodyPr/>
-          <a:lstStyle/>
-          <a:p>
-            <a:fld id="{5BCAD085-E8A6-8845-BD4E-CB4CCA059FC4}" type="datetimeFigureOut">
-              <a:rPr lang="en-US" smtClean="0"/>
-              <a:t>1/27/13</a:t>
-            </a:fld>
-            <a:endParaRPr lang="en-US"/>
-          </a:p>
-        </p:txBody>
-      </p:sp>
-      <p:sp>
-        <p:nvSpPr>
-          <p:cNvPr id="6" name="Footer Placeholder 5"/>
-          <p:cNvSpPr>
-            <a:spLocks noGrp="1"/>
-          </p:cNvSpPr>
-          <p:nvPr>
-            <p:ph type="ftr" sz="quarter" idx="11"/>
-          </p:nvPr>
-        </p:nvSpPr>
-        <p:spPr/>
-        <p:txBody>
-          <a:bodyPr/>
-          <a:lstStyle/>
-          <a:p>
-            <a:endParaRPr lang="en-US"/>
-          </a:p>
-        </p:txBody>
-      </p:sp>
-      <p:sp>
-        <p:nvSpPr>
-          <p:cNvPr id="7" name="Slide Number Placeholder 6"/>
-          <p:cNvSpPr>
-            <a:spLocks noGrp="1"/>
-          </p:cNvSpPr>
-          <p:nvPr>
-            <p:ph type="sldNum" sz="quarter" idx="12"/>
-          </p:nvPr>
-        </p:nvSpPr>
-        <p:spPr/>
-        <p:txBody>
-          <a:bodyPr/>
-          <a:lstStyle/>
-          <a:p>
-            <a:fld id="{C1FF6DA9-008F-8B48-92A6-B652298478BF}" type="slidenum">
-              <a:rPr lang="en-US" smtClean="0"/>
-              <a:t>‹#›</a:t>
-            </a:fld>
-            <a:endParaRPr lang="en-US"/>
-          </a:p>
-        </p:txBody>
-      </p:sp>
-    </p:spTree>
-    <p:extLst>
-      <p:ext uri="{BB962C8B-B14F-4D97-AF65-F5344CB8AC3E}">
-        <p14:creationId xmlns:p14="http://schemas.microsoft.com/office/powerpoint/2010/main" val="1840726560"/>
-      </p:ext>
-    </p:extLst>
-  </p:cSld>
-  <p:clrMapOvr>
-    <a:masterClrMapping/>
-  </p:clrMapOvr>
-</p:sldLayout>
-</file>
-
 <file path=ppt/slideLayouts/slideLayout8.xml><?xml version="1.0" encoding="utf-8"?>
 <p:sldLayout xmlns:a="http://schemas.openxmlformats.org/drawingml/2006/main" xmlns:r="http://schemas.openxmlformats.org/officeDocument/2006/relationships" xmlns:p="http://schemas.openxmlformats.org/presentationml/2006/main" type="objTx" preserve="1">
   <p:cSld name="Content with Caption">
@@ -4778,769 +2570,6 @@
     <a:masterClrMapping/>
   </p:clrMapOvr>
 </p:sldLayout>
-</file>
-
-<file path=ppt/slideLayouts/slideLayout9.xml><?xml version="1.0" encoding="utf-8"?>
-<p:sldLayout xmlns:a="http://schemas.openxmlformats.org/drawingml/2006/main" xmlns:r="http://schemas.openxmlformats.org/officeDocument/2006/relationships" xmlns:p="http://schemas.openxmlformats.org/presentationml/2006/main" type="picTx" preserve="1">
-  <p:cSld name="Picture with Caption">
-    <p:spTree>
-      <p:nvGrpSpPr>
-        <p:cNvPr id="1" name=""/>
-        <p:cNvGrpSpPr/>
-        <p:nvPr/>
-      </p:nvGrpSpPr>
-      <p:grpSpPr>
-        <a:xfrm>
-          <a:off x="0" y="0"/>
-          <a:ext cx="0" cy="0"/>
-          <a:chOff x="0" y="0"/>
-          <a:chExt cx="0" cy="0"/>
-        </a:xfrm>
-      </p:grpSpPr>
-      <p:sp>
-        <p:nvSpPr>
-          <p:cNvPr id="2" name="Title 1"/>
-          <p:cNvSpPr>
-            <a:spLocks noGrp="1"/>
-          </p:cNvSpPr>
-          <p:nvPr>
-            <p:ph type="title"/>
-          </p:nvPr>
-        </p:nvSpPr>
-        <p:spPr>
-          <a:xfrm>
-            <a:off x="1792288" y="4800600"/>
-            <a:ext cx="5486400" cy="566738"/>
-          </a:xfrm>
-        </p:spPr>
-        <p:txBody>
-          <a:bodyPr anchor="b"/>
-          <a:lstStyle>
-            <a:lvl1pPr algn="l">
-              <a:defRPr sz="2000" b="1"/>
-            </a:lvl1pPr>
-          </a:lstStyle>
-          <a:p>
-            <a:r>
-              <a:rPr lang="en-US" smtClean="0"/>
-              <a:t>Click to edit Master title style</a:t>
-            </a:r>
-            <a:endParaRPr lang="en-US"/>
-          </a:p>
-        </p:txBody>
-      </p:sp>
-      <p:sp>
-        <p:nvSpPr>
-          <p:cNvPr id="3" name="Picture Placeholder 2"/>
-          <p:cNvSpPr>
-            <a:spLocks noGrp="1"/>
-          </p:cNvSpPr>
-          <p:nvPr>
-            <p:ph type="pic" idx="1"/>
-          </p:nvPr>
-        </p:nvSpPr>
-        <p:spPr>
-          <a:xfrm>
-            <a:off x="1792288" y="612775"/>
-            <a:ext cx="5486400" cy="4114800"/>
-          </a:xfrm>
-        </p:spPr>
-        <p:txBody>
-          <a:bodyPr/>
-          <a:lstStyle>
-            <a:lvl1pPr marL="0" indent="0">
-              <a:buNone/>
-              <a:defRPr sz="3200"/>
-            </a:lvl1pPr>
-            <a:lvl2pPr marL="457200" indent="0">
-              <a:buNone/>
-              <a:defRPr sz="2800"/>
-            </a:lvl2pPr>
-            <a:lvl3pPr marL="914400" indent="0">
-              <a:buNone/>
-              <a:defRPr sz="2400"/>
-            </a:lvl3pPr>
-            <a:lvl4pPr marL="1371600" indent="0">
-              <a:buNone/>
-              <a:defRPr sz="2000"/>
-            </a:lvl4pPr>
-            <a:lvl5pPr marL="1828800" indent="0">
-              <a:buNone/>
-              <a:defRPr sz="2000"/>
-            </a:lvl5pPr>
-            <a:lvl6pPr marL="2286000" indent="0">
-              <a:buNone/>
-              <a:defRPr sz="2000"/>
-            </a:lvl6pPr>
-            <a:lvl7pPr marL="2743200" indent="0">
-              <a:buNone/>
-              <a:defRPr sz="2000"/>
-            </a:lvl7pPr>
-            <a:lvl8pPr marL="3200400" indent="0">
-              <a:buNone/>
-              <a:defRPr sz="2000"/>
-            </a:lvl8pPr>
-            <a:lvl9pPr marL="3657600" indent="0">
-              <a:buNone/>
-              <a:defRPr sz="2000"/>
-            </a:lvl9pPr>
-          </a:lstStyle>
-          <a:p>
-            <a:endParaRPr lang="en-US"/>
-          </a:p>
-        </p:txBody>
-      </p:sp>
-      <p:sp>
-        <p:nvSpPr>
-          <p:cNvPr id="4" name="Text Placeholder 3"/>
-          <p:cNvSpPr>
-            <a:spLocks noGrp="1"/>
-          </p:cNvSpPr>
-          <p:nvPr>
-            <p:ph type="body" sz="half" idx="2"/>
-          </p:nvPr>
-        </p:nvSpPr>
-        <p:spPr>
-          <a:xfrm>
-            <a:off x="1792288" y="5367338"/>
-            <a:ext cx="5486400" cy="804862"/>
-          </a:xfrm>
-        </p:spPr>
-        <p:txBody>
-          <a:bodyPr/>
-          <a:lstStyle>
-            <a:lvl1pPr marL="0" indent="0">
-              <a:buNone/>
-              <a:defRPr sz="1400"/>
-            </a:lvl1pPr>
-            <a:lvl2pPr marL="457200" indent="0">
-              <a:buNone/>
-              <a:defRPr sz="1200"/>
-            </a:lvl2pPr>
-            <a:lvl3pPr marL="914400" indent="0">
-              <a:buNone/>
-              <a:defRPr sz="1000"/>
-            </a:lvl3pPr>
-            <a:lvl4pPr marL="1371600" indent="0">
-              <a:buNone/>
-              <a:defRPr sz="900"/>
-            </a:lvl4pPr>
-            <a:lvl5pPr marL="1828800" indent="0">
-              <a:buNone/>
-              <a:defRPr sz="900"/>
-            </a:lvl5pPr>
-            <a:lvl6pPr marL="2286000" indent="0">
-              <a:buNone/>
-              <a:defRPr sz="900"/>
-            </a:lvl6pPr>
-            <a:lvl7pPr marL="2743200" indent="0">
-              <a:buNone/>
-              <a:defRPr sz="900"/>
-            </a:lvl7pPr>
-            <a:lvl8pPr marL="3200400" indent="0">
-              <a:buNone/>
-              <a:defRPr sz="900"/>
-            </a:lvl8pPr>
-            <a:lvl9pPr marL="3657600" indent="0">
-              <a:buNone/>
-              <a:defRPr sz="900"/>
-            </a:lvl9pPr>
-          </a:lstStyle>
-          <a:p>
-            <a:pPr lvl="0"/>
-            <a:r>
-              <a:rPr lang="en-US" smtClean="0"/>
-              <a:t>Click to edit Master text styles</a:t>
-            </a:r>
-          </a:p>
-        </p:txBody>
-      </p:sp>
-      <p:sp>
-        <p:nvSpPr>
-          <p:cNvPr id="5" name="Date Placeholder 4"/>
-          <p:cNvSpPr>
-            <a:spLocks noGrp="1"/>
-          </p:cNvSpPr>
-          <p:nvPr>
-            <p:ph type="dt" sz="half" idx="10"/>
-          </p:nvPr>
-        </p:nvSpPr>
-        <p:spPr/>
-        <p:txBody>
-          <a:bodyPr/>
-          <a:lstStyle/>
-          <a:p>
-            <a:fld id="{5BCAD085-E8A6-8845-BD4E-CB4CCA059FC4}" type="datetimeFigureOut">
-              <a:rPr lang="en-US" smtClean="0"/>
-              <a:t>1/27/13</a:t>
-            </a:fld>
-            <a:endParaRPr lang="en-US"/>
-          </a:p>
-        </p:txBody>
-      </p:sp>
-      <p:sp>
-        <p:nvSpPr>
-          <p:cNvPr id="6" name="Footer Placeholder 5"/>
-          <p:cNvSpPr>
-            <a:spLocks noGrp="1"/>
-          </p:cNvSpPr>
-          <p:nvPr>
-            <p:ph type="ftr" sz="quarter" idx="11"/>
-          </p:nvPr>
-        </p:nvSpPr>
-        <p:spPr/>
-        <p:txBody>
-          <a:bodyPr/>
-          <a:lstStyle/>
-          <a:p>
-            <a:endParaRPr lang="en-US"/>
-          </a:p>
-        </p:txBody>
-      </p:sp>
-      <p:sp>
-        <p:nvSpPr>
-          <p:cNvPr id="7" name="Slide Number Placeholder 6"/>
-          <p:cNvSpPr>
-            <a:spLocks noGrp="1"/>
-          </p:cNvSpPr>
-          <p:nvPr>
-            <p:ph type="sldNum" sz="quarter" idx="12"/>
-          </p:nvPr>
-        </p:nvSpPr>
-        <p:spPr/>
-        <p:txBody>
-          <a:bodyPr/>
-          <a:lstStyle/>
-          <a:p>
-            <a:fld id="{C1FF6DA9-008F-8B48-92A6-B652298478BF}" type="slidenum">
-              <a:rPr lang="en-US" smtClean="0"/>
-              <a:t>‹#›</a:t>
-            </a:fld>
-            <a:endParaRPr lang="en-US"/>
-          </a:p>
-        </p:txBody>
-      </p:sp>
-    </p:spTree>
-    <p:extLst>
-      <p:ext uri="{BB962C8B-B14F-4D97-AF65-F5344CB8AC3E}">
-        <p14:creationId xmlns:p14="http://schemas.microsoft.com/office/powerpoint/2010/main" val="3889236939"/>
-      </p:ext>
-    </p:extLst>
-  </p:cSld>
-  <p:clrMapOvr>
-    <a:masterClrMapping/>
-  </p:clrMapOvr>
-</p:sldLayout>
-</file>
-
-<file path=ppt/slideMasters/slideMaster1.xml><?xml version="1.0" encoding="utf-8"?>
-<p:sldMaster xmlns:a="http://schemas.openxmlformats.org/drawingml/2006/main" xmlns:r="http://schemas.openxmlformats.org/officeDocument/2006/relationships" xmlns:p="http://schemas.openxmlformats.org/presentationml/2006/main">
-  <p:cSld>
-    <p:bg>
-      <p:bgRef idx="1001">
-        <a:schemeClr val="bg1"/>
-      </p:bgRef>
-    </p:bg>
-    <p:spTree>
-      <p:nvGrpSpPr>
-        <p:cNvPr id="1" name=""/>
-        <p:cNvGrpSpPr/>
-        <p:nvPr/>
-      </p:nvGrpSpPr>
-      <p:grpSpPr>
-        <a:xfrm>
-          <a:off x="0" y="0"/>
-          <a:ext cx="0" cy="0"/>
-          <a:chOff x="0" y="0"/>
-          <a:chExt cx="0" cy="0"/>
-        </a:xfrm>
-      </p:grpSpPr>
-      <p:sp>
-        <p:nvSpPr>
-          <p:cNvPr id="2" name="Title Placeholder 1"/>
-          <p:cNvSpPr>
-            <a:spLocks noGrp="1"/>
-          </p:cNvSpPr>
-          <p:nvPr>
-            <p:ph type="title"/>
-          </p:nvPr>
-        </p:nvSpPr>
-        <p:spPr>
-          <a:xfrm>
-            <a:off x="457200" y="274638"/>
-            <a:ext cx="8229600" cy="1143000"/>
-          </a:xfrm>
-          <a:prstGeom prst="rect">
-            <a:avLst/>
-          </a:prstGeom>
-        </p:spPr>
-        <p:txBody>
-          <a:bodyPr vert="horz" lIns="91440" tIns="45720" rIns="91440" bIns="45720" rtlCol="0" anchor="ctr">
-            <a:normAutofit/>
-          </a:bodyPr>
-          <a:lstStyle/>
-          <a:p>
-            <a:r>
-              <a:rPr lang="en-US" smtClean="0"/>
-              <a:t>Click to edit Master title style</a:t>
-            </a:r>
-            <a:endParaRPr lang="en-US"/>
-          </a:p>
-        </p:txBody>
-      </p:sp>
-      <p:sp>
-        <p:nvSpPr>
-          <p:cNvPr id="3" name="Text Placeholder 2"/>
-          <p:cNvSpPr>
-            <a:spLocks noGrp="1"/>
-          </p:cNvSpPr>
-          <p:nvPr>
-            <p:ph type="body" idx="1"/>
-          </p:nvPr>
-        </p:nvSpPr>
-        <p:spPr>
-          <a:xfrm>
-            <a:off x="457200" y="1600200"/>
-            <a:ext cx="8229600" cy="4525963"/>
-          </a:xfrm>
-          <a:prstGeom prst="rect">
-            <a:avLst/>
-          </a:prstGeom>
-        </p:spPr>
-        <p:txBody>
-          <a:bodyPr vert="horz" lIns="91440" tIns="45720" rIns="91440" bIns="45720" rtlCol="0">
-            <a:normAutofit/>
-          </a:bodyPr>
-          <a:lstStyle/>
-          <a:p>
-            <a:pPr lvl="0"/>
-            <a:r>
-              <a:rPr lang="en-US" smtClean="0"/>
-              <a:t>Click to edit Master text styles</a:t>
-            </a:r>
-          </a:p>
-          <a:p>
-            <a:pPr lvl="1"/>
-            <a:r>
-              <a:rPr lang="en-US" smtClean="0"/>
-              <a:t>Second level</a:t>
-            </a:r>
-          </a:p>
-          <a:p>
-            <a:pPr lvl="2"/>
-            <a:r>
-              <a:rPr lang="en-US" smtClean="0"/>
-              <a:t>Third level</a:t>
-            </a:r>
-          </a:p>
-          <a:p>
-            <a:pPr lvl="3"/>
-            <a:r>
-              <a:rPr lang="en-US" smtClean="0"/>
-              <a:t>Fourth level</a:t>
-            </a:r>
-          </a:p>
-          <a:p>
-            <a:pPr lvl="4"/>
-            <a:r>
-              <a:rPr lang="en-US" smtClean="0"/>
-              <a:t>Fifth level</a:t>
-            </a:r>
-            <a:endParaRPr lang="en-US"/>
-          </a:p>
-        </p:txBody>
-      </p:sp>
-      <p:sp>
-        <p:nvSpPr>
-          <p:cNvPr id="4" name="Date Placeholder 3"/>
-          <p:cNvSpPr>
-            <a:spLocks noGrp="1"/>
-          </p:cNvSpPr>
-          <p:nvPr>
-            <p:ph type="dt" sz="half" idx="2"/>
-          </p:nvPr>
-        </p:nvSpPr>
-        <p:spPr>
-          <a:xfrm>
-            <a:off x="457200" y="6356350"/>
-            <a:ext cx="2133600" cy="365125"/>
-          </a:xfrm>
-          <a:prstGeom prst="rect">
-            <a:avLst/>
-          </a:prstGeom>
-        </p:spPr>
-        <p:txBody>
-          <a:bodyPr vert="horz" lIns="91440" tIns="45720" rIns="91440" bIns="45720" rtlCol="0" anchor="ctr"/>
-          <a:lstStyle>
-            <a:lvl1pPr algn="l">
-              <a:defRPr sz="1200">
-                <a:solidFill>
-                  <a:schemeClr val="tx1">
-                    <a:tint val="75000"/>
-                  </a:schemeClr>
-                </a:solidFill>
-              </a:defRPr>
-            </a:lvl1pPr>
-          </a:lstStyle>
-          <a:p>
-            <a:fld id="{5BCAD085-E8A6-8845-BD4E-CB4CCA059FC4}" type="datetimeFigureOut">
-              <a:rPr lang="en-US" smtClean="0"/>
-              <a:t>1/27/13</a:t>
-            </a:fld>
-            <a:endParaRPr lang="en-US"/>
-          </a:p>
-        </p:txBody>
-      </p:sp>
-      <p:sp>
-        <p:nvSpPr>
-          <p:cNvPr id="5" name="Footer Placeholder 4"/>
-          <p:cNvSpPr>
-            <a:spLocks noGrp="1"/>
-          </p:cNvSpPr>
-          <p:nvPr>
-            <p:ph type="ftr" sz="quarter" idx="3"/>
-          </p:nvPr>
-        </p:nvSpPr>
-        <p:spPr>
-          <a:xfrm>
-            <a:off x="3124200" y="6356350"/>
-            <a:ext cx="2895600" cy="365125"/>
-          </a:xfrm>
-          <a:prstGeom prst="rect">
-            <a:avLst/>
-          </a:prstGeom>
-        </p:spPr>
-        <p:txBody>
-          <a:bodyPr vert="horz" lIns="91440" tIns="45720" rIns="91440" bIns="45720" rtlCol="0" anchor="ctr"/>
-          <a:lstStyle>
-            <a:lvl1pPr algn="ctr">
-              <a:defRPr sz="1200">
-                <a:solidFill>
-                  <a:schemeClr val="tx1">
-                    <a:tint val="75000"/>
-                  </a:schemeClr>
-                </a:solidFill>
-              </a:defRPr>
-            </a:lvl1pPr>
-          </a:lstStyle>
-          <a:p>
-            <a:endParaRPr lang="en-US"/>
-          </a:p>
-        </p:txBody>
-      </p:sp>
-      <p:sp>
-        <p:nvSpPr>
-          <p:cNvPr id="6" name="Slide Number Placeholder 5"/>
-          <p:cNvSpPr>
-            <a:spLocks noGrp="1"/>
-          </p:cNvSpPr>
-          <p:nvPr>
-            <p:ph type="sldNum" sz="quarter" idx="4"/>
-          </p:nvPr>
-        </p:nvSpPr>
-        <p:spPr>
-          <a:xfrm>
-            <a:off x="6553200" y="6356350"/>
-            <a:ext cx="2133600" cy="365125"/>
-          </a:xfrm>
-          <a:prstGeom prst="rect">
-            <a:avLst/>
-          </a:prstGeom>
-        </p:spPr>
-        <p:txBody>
-          <a:bodyPr vert="horz" lIns="91440" tIns="45720" rIns="91440" bIns="45720" rtlCol="0" anchor="ctr"/>
-          <a:lstStyle>
-            <a:lvl1pPr algn="r">
-              <a:defRPr sz="1200">
-                <a:solidFill>
-                  <a:schemeClr val="tx1">
-                    <a:tint val="75000"/>
-                  </a:schemeClr>
-                </a:solidFill>
-              </a:defRPr>
-            </a:lvl1pPr>
-          </a:lstStyle>
-          <a:p>
-            <a:fld id="{C1FF6DA9-008F-8B48-92A6-B652298478BF}" type="slidenum">
-              <a:rPr lang="en-US" smtClean="0"/>
-              <a:t>‹#›</a:t>
-            </a:fld>
-            <a:endParaRPr lang="en-US"/>
-          </a:p>
-        </p:txBody>
-      </p:sp>
-    </p:spTree>
-    <p:extLst>
-      <p:ext uri="{BB962C8B-B14F-4D97-AF65-F5344CB8AC3E}">
-        <p14:creationId xmlns:p14="http://schemas.microsoft.com/office/powerpoint/2010/main" val="2209977519"/>
-      </p:ext>
-    </p:extLst>
-  </p:cSld>
-  <p:clrMap bg1="lt1" tx1="dk1" bg2="lt2" tx2="dk2" accent1="accent1" accent2="accent2" accent3="accent3" accent4="accent4" accent5="accent5" accent6="accent6" hlink="hlink" folHlink="folHlink"/>
-  <p:sldLayoutIdLst>
-    <p:sldLayoutId id="2147483649" r:id="rId1"/>
-    <p:sldLayoutId id="2147483650" r:id="rId2"/>
-    <p:sldLayoutId id="2147483651" r:id="rId3"/>
-    <p:sldLayoutId id="2147483652" r:id="rId4"/>
-    <p:sldLayoutId id="2147483653" r:id="rId5"/>
-    <p:sldLayoutId id="2147483654" r:id="rId6"/>
-    <p:sldLayoutId id="2147483655" r:id="rId7"/>
-    <p:sldLayoutId id="2147483656" r:id="rId8"/>
-    <p:sldLayoutId id="2147483657" r:id="rId9"/>
-    <p:sldLayoutId id="2147483658" r:id="rId10"/>
-    <p:sldLayoutId id="2147483659" r:id="rId11"/>
-  </p:sldLayoutIdLst>
-  <p:txStyles>
-    <p:titleStyle>
-      <a:lvl1pPr algn="ctr" defTabSz="457200" rtl="0" eaLnBrk="1" latinLnBrk="0" hangingPunct="1">
-        <a:spcBef>
-          <a:spcPct val="0"/>
-        </a:spcBef>
-        <a:buNone/>
-        <a:defRPr sz="4400" kern="1200">
-          <a:solidFill>
-            <a:schemeClr val="tx1"/>
-          </a:solidFill>
-          <a:latin typeface="+mj-lt"/>
-          <a:ea typeface="+mj-ea"/>
-          <a:cs typeface="+mj-cs"/>
-        </a:defRPr>
-      </a:lvl1pPr>
-    </p:titleStyle>
-    <p:bodyStyle>
-      <a:lvl1pPr marL="342900" indent="-342900" algn="l" defTabSz="457200" rtl="0" eaLnBrk="1" latinLnBrk="0" hangingPunct="1">
-        <a:spcBef>
-          <a:spcPct val="20000"/>
-        </a:spcBef>
-        <a:buFont typeface="Arial"/>
-        <a:buChar char="•"/>
-        <a:defRPr sz="3200" kern="1200">
-          <a:solidFill>
-            <a:schemeClr val="tx1"/>
-          </a:solidFill>
-          <a:latin typeface="+mn-lt"/>
-          <a:ea typeface="+mn-ea"/>
-          <a:cs typeface="+mn-cs"/>
-        </a:defRPr>
-      </a:lvl1pPr>
-      <a:lvl2pPr marL="742950" indent="-285750" algn="l" defTabSz="457200" rtl="0" eaLnBrk="1" latinLnBrk="0" hangingPunct="1">
-        <a:spcBef>
-          <a:spcPct val="20000"/>
-        </a:spcBef>
-        <a:buFont typeface="Arial"/>
-        <a:buChar char="–"/>
-        <a:defRPr sz="2800" kern="1200">
-          <a:solidFill>
-            <a:schemeClr val="tx1"/>
-          </a:solidFill>
-          <a:latin typeface="+mn-lt"/>
-          <a:ea typeface="+mn-ea"/>
-          <a:cs typeface="+mn-cs"/>
-        </a:defRPr>
-      </a:lvl2pPr>
-      <a:lvl3pPr marL="1143000" indent="-228600" algn="l" defTabSz="457200" rtl="0" eaLnBrk="1" latinLnBrk="0" hangingPunct="1">
-        <a:spcBef>
-          <a:spcPct val="20000"/>
-        </a:spcBef>
-        <a:buFont typeface="Arial"/>
-        <a:buChar char="•"/>
-        <a:defRPr sz="2400" kern="1200">
-          <a:solidFill>
-            <a:schemeClr val="tx1"/>
-          </a:solidFill>
-          <a:latin typeface="+mn-lt"/>
-          <a:ea typeface="+mn-ea"/>
-          <a:cs typeface="+mn-cs"/>
-        </a:defRPr>
-      </a:lvl3pPr>
-      <a:lvl4pPr marL="1600200" indent="-228600" algn="l" defTabSz="457200" rtl="0" eaLnBrk="1" latinLnBrk="0" hangingPunct="1">
-        <a:spcBef>
-          <a:spcPct val="20000"/>
-        </a:spcBef>
-        <a:buFont typeface="Arial"/>
-        <a:buChar char="–"/>
-        <a:defRPr sz="2000" kern="1200">
-          <a:solidFill>
-            <a:schemeClr val="tx1"/>
-          </a:solidFill>
-          <a:latin typeface="+mn-lt"/>
-          <a:ea typeface="+mn-ea"/>
-          <a:cs typeface="+mn-cs"/>
-        </a:defRPr>
-      </a:lvl4pPr>
-      <a:lvl5pPr marL="2057400" indent="-228600" algn="l" defTabSz="457200" rtl="0" eaLnBrk="1" latinLnBrk="0" hangingPunct="1">
-        <a:spcBef>
-          <a:spcPct val="20000"/>
-        </a:spcBef>
-        <a:buFont typeface="Arial"/>
-        <a:buChar char="»"/>
-        <a:defRPr sz="2000" kern="1200">
-          <a:solidFill>
-            <a:schemeClr val="tx1"/>
-          </a:solidFill>
-          <a:latin typeface="+mn-lt"/>
-          <a:ea typeface="+mn-ea"/>
-          <a:cs typeface="+mn-cs"/>
-        </a:defRPr>
-      </a:lvl5pPr>
-      <a:lvl6pPr marL="2514600" indent="-228600" algn="l" defTabSz="457200" rtl="0" eaLnBrk="1" latinLnBrk="0" hangingPunct="1">
-        <a:spcBef>
-          <a:spcPct val="20000"/>
-        </a:spcBef>
-        <a:buFont typeface="Arial"/>
-        <a:buChar char="•"/>
-        <a:defRPr sz="2000" kern="1200">
-          <a:solidFill>
-            <a:schemeClr val="tx1"/>
-          </a:solidFill>
-          <a:latin typeface="+mn-lt"/>
-          <a:ea typeface="+mn-ea"/>
-          <a:cs typeface="+mn-cs"/>
-        </a:defRPr>
-      </a:lvl6pPr>
-      <a:lvl7pPr marL="2971800" indent="-228600" algn="l" defTabSz="457200" rtl="0" eaLnBrk="1" latinLnBrk="0" hangingPunct="1">
-        <a:spcBef>
-          <a:spcPct val="20000"/>
-        </a:spcBef>
-        <a:buFont typeface="Arial"/>
-        <a:buChar char="•"/>
-        <a:defRPr sz="2000" kern="1200">
-          <a:solidFill>
-            <a:schemeClr val="tx1"/>
-          </a:solidFill>
-          <a:latin typeface="+mn-lt"/>
-          <a:ea typeface="+mn-ea"/>
-          <a:cs typeface="+mn-cs"/>
-        </a:defRPr>
-      </a:lvl7pPr>
-      <a:lvl8pPr marL="3429000" indent="-228600" algn="l" defTabSz="457200" rtl="0" eaLnBrk="1" latinLnBrk="0" hangingPunct="1">
-        <a:spcBef>
-          <a:spcPct val="20000"/>
-        </a:spcBef>
-        <a:buFont typeface="Arial"/>
-        <a:buChar char="•"/>
-        <a:defRPr sz="2000" kern="1200">
-          <a:solidFill>
-            <a:schemeClr val="tx1"/>
-          </a:solidFill>
-          <a:latin typeface="+mn-lt"/>
-          <a:ea typeface="+mn-ea"/>
-          <a:cs typeface="+mn-cs"/>
-        </a:defRPr>
-      </a:lvl8pPr>
-      <a:lvl9pPr marL="3886200" indent="-228600" algn="l" defTabSz="457200" rtl="0" eaLnBrk="1" latinLnBrk="0" hangingPunct="1">
-        <a:spcBef>
-          <a:spcPct val="20000"/>
-        </a:spcBef>
-        <a:buFont typeface="Arial"/>
-        <a:buChar char="•"/>
-        <a:defRPr sz="2000" kern="1200">
-          <a:solidFill>
-            <a:schemeClr val="tx1"/>
-          </a:solidFill>
-          <a:latin typeface="+mn-lt"/>
-          <a:ea typeface="+mn-ea"/>
-          <a:cs typeface="+mn-cs"/>
-        </a:defRPr>
-      </a:lvl9pPr>
-    </p:bodyStyle>
-    <p:otherStyle>
-      <a:defPPr>
-        <a:defRPr lang="en-US"/>
-      </a:defPPr>
-      <a:lvl1pPr marL="0" algn="l" defTabSz="457200" rtl="0" eaLnBrk="1" latinLnBrk="0" hangingPunct="1">
-        <a:defRPr sz="1800" kern="1200">
-          <a:solidFill>
-            <a:schemeClr val="tx1"/>
-          </a:solidFill>
-          <a:latin typeface="+mn-lt"/>
-          <a:ea typeface="+mn-ea"/>
-          <a:cs typeface="+mn-cs"/>
-        </a:defRPr>
-      </a:lvl1pPr>
-      <a:lvl2pPr marL="457200" algn="l" defTabSz="457200" rtl="0" eaLnBrk="1" latinLnBrk="0" hangingPunct="1">
-        <a:defRPr sz="1800" kern="1200">
-          <a:solidFill>
-            <a:schemeClr val="tx1"/>
-          </a:solidFill>
-          <a:latin typeface="+mn-lt"/>
-          <a:ea typeface="+mn-ea"/>
-          <a:cs typeface="+mn-cs"/>
-        </a:defRPr>
-      </a:lvl2pPr>
-      <a:lvl3pPr marL="914400" algn="l" defTabSz="457200" rtl="0" eaLnBrk="1" latinLnBrk="0" hangingPunct="1">
-        <a:defRPr sz="1800" kern="1200">
-          <a:solidFill>
-            <a:schemeClr val="tx1"/>
-          </a:solidFill>
-          <a:latin typeface="+mn-lt"/>
-          <a:ea typeface="+mn-ea"/>
-          <a:cs typeface="+mn-cs"/>
-        </a:defRPr>
-      </a:lvl3pPr>
-      <a:lvl4pPr marL="1371600" algn="l" defTabSz="457200" rtl="0" eaLnBrk="1" latinLnBrk="0" hangingPunct="1">
-        <a:defRPr sz="1800" kern="1200">
-          <a:solidFill>
-            <a:schemeClr val="tx1"/>
-          </a:solidFill>
-          <a:latin typeface="+mn-lt"/>
-          <a:ea typeface="+mn-ea"/>
-          <a:cs typeface="+mn-cs"/>
-        </a:defRPr>
-      </a:lvl4pPr>
-      <a:lvl5pPr marL="1828800" algn="l" defTabSz="457200" rtl="0" eaLnBrk="1" latinLnBrk="0" hangingPunct="1">
-        <a:defRPr sz="1800" kern="1200">
-          <a:solidFill>
-            <a:schemeClr val="tx1"/>
-          </a:solidFill>
-          <a:latin typeface="+mn-lt"/>
-          <a:ea typeface="+mn-ea"/>
-          <a:cs typeface="+mn-cs"/>
-        </a:defRPr>
-      </a:lvl5pPr>
-      <a:lvl6pPr marL="2286000" algn="l" defTabSz="457200" rtl="0" eaLnBrk="1" latinLnBrk="0" hangingPunct="1">
-        <a:defRPr sz="1800" kern="1200">
-          <a:solidFill>
-            <a:schemeClr val="tx1"/>
-          </a:solidFill>
-          <a:latin typeface="+mn-lt"/>
-          <a:ea typeface="+mn-ea"/>
-          <a:cs typeface="+mn-cs"/>
-        </a:defRPr>
-      </a:lvl6pPr>
-      <a:lvl7pPr marL="2743200" algn="l" defTabSz="457200" rtl="0" eaLnBrk="1" latinLnBrk="0" hangingPunct="1">
-        <a:defRPr sz="1800" kern="1200">
-          <a:solidFill>
-            <a:schemeClr val="tx1"/>
-          </a:solidFill>
-          <a:latin typeface="+mn-lt"/>
-          <a:ea typeface="+mn-ea"/>
-          <a:cs typeface="+mn-cs"/>
-        </a:defRPr>
-      </a:lvl7pPr>
-      <a:lvl8pPr marL="3200400" algn="l" defTabSz="457200" rtl="0" eaLnBrk="1" latinLnBrk="0" hangingPunct="1">
-        <a:defRPr sz="1800" kern="1200">
-          <a:solidFill>
-            <a:schemeClr val="tx1"/>
-          </a:solidFill>
-          <a:latin typeface="+mn-lt"/>
-          <a:ea typeface="+mn-ea"/>
-          <a:cs typeface="+mn-cs"/>
-        </a:defRPr>
-      </a:lvl8pPr>
-      <a:lvl9pPr marL="3657600" algn="l" defTabSz="457200" rtl="0" eaLnBrk="1" latinLnBrk="0" hangingPunct="1">
-        <a:defRPr sz="1800" kern="1200">
-          <a:solidFill>
-            <a:schemeClr val="tx1"/>
-          </a:solidFill>
-          <a:latin typeface="+mn-lt"/>
-          <a:ea typeface="+mn-ea"/>
-          <a:cs typeface="+mn-cs"/>
-        </a:defRPr>
-      </a:lvl9pPr>
-    </p:otherStyle>
-  </p:txStyles>
-</p:sldMaster>
 </file>
 
 <file path=ppt/slideMasters/slideMaster1.xml><?xml version="1.0" encoding="utf-8"?>
@@ -6131,7 +3160,7 @@
                   <a:srgbClr val="000000"/>
                 </a:solidFill>
               </a:rPr>
-              <a:t>Data Quality - System</a:t>
+              <a:t>Data Quality - Application</a:t>
             </a:r>
           </a:p>
         </p:txBody>
@@ -6246,7 +3275,7 @@
                   <a:srgbClr val="000000"/>
                 </a:solidFill>
               </a:rPr>
-              <a:t>Data Quality - Application</a:t>
+              <a:t>Data Quality - System</a:t>
             </a:r>
           </a:p>
         </p:txBody>
@@ -6361,7 +3390,7 @@
                   <a:srgbClr val="000000"/>
                 </a:solidFill>
               </a:rPr>
-              <a:t>Data Quality - Owner assigned</a:t>
+              <a:t>Data Quality - Parent Application</a:t>
             </a:r>
           </a:p>
         </p:txBody>
@@ -6476,7 +3505,7 @@
                   <a:srgbClr val="000000"/>
                 </a:solidFill>
               </a:rPr>
-              <a:t>Data Quality - Parent Application</a:t>
+              <a:t>Data Quality - Owner assigned</a:t>
             </a:r>
           </a:p>
         </p:txBody>
@@ -6946,324 +3975,4 @@
   </a:objectDefaults>
   <a:extraClrSchemeLst/>
 </a:theme>
-</file>
-
-<file path=ppt/theme/theme1.xml><?xml version="1.0" encoding="utf-8"?>
-<a:theme xmlns:a="http://schemas.openxmlformats.org/drawingml/2006/main" name="Office Theme">
-  <a:themeElements>
-    <a:clrScheme name="Office">
-      <a:dk1>
-        <a:sysClr val="windowText" lastClr="000000"/>
-      </a:dk1>
-      <a:lt1>
-        <a:sysClr val="window" lastClr="FFFFFF"/>
-      </a:lt1>
-      <a:dk2>
-        <a:srgbClr val="1F497D"/>
-      </a:dk2>
-      <a:lt2>
-        <a:srgbClr val="EEECE1"/>
-      </a:lt2>
-      <a:accent1>
-        <a:srgbClr val="4F81BD"/>
-      </a:accent1>
-      <a:accent2>
-        <a:srgbClr val="C0504D"/>
-      </a:accent2>
-      <a:accent3>
-        <a:srgbClr val="9BBB59"/>
-      </a:accent3>
-      <a:accent4>
-        <a:srgbClr val="8064A2"/>
-      </a:accent4>
-      <a:accent5>
-        <a:srgbClr val="4BACC6"/>
-      </a:accent5>
-      <a:accent6>
-        <a:srgbClr val="F79646"/>
-      </a:accent6>
-      <a:hlink>
-        <a:srgbClr val="0000FF"/>
-      </a:hlink>
-      <a:folHlink>
-        <a:srgbClr val="800080"/>
-      </a:folHlink>
-    </a:clrScheme>
-    <a:fontScheme name="Office">
-      <a:majorFont>
-        <a:latin typeface="Calibri"/>
-        <a:ea typeface=""/>
-        <a:cs typeface=""/>
-        <a:font script="Jpan" typeface="ＭＳ Ｐゴシック"/>
-        <a:font script="Hang" typeface="맑은 고딕"/>
-        <a:font script="Hans" typeface="宋体"/>
-        <a:font script="Hant" typeface="新細明體"/>
-        <a:font script="Arab" typeface="Times New Roman"/>
-        <a:font script="Hebr" typeface="Times New Roman"/>
-        <a:font script="Thai" typeface="Angsana New"/>
-        <a:font script="Ethi" typeface="Nyala"/>
-        <a:font script="Beng" typeface="Vrinda"/>
-        <a:font script="Gujr" typeface="Shruti"/>
-        <a:font script="Khmr" typeface="MoolBoran"/>
-        <a:font script="Knda" typeface="Tunga"/>
-        <a:font script="Guru" typeface="Raavi"/>
-        <a:font script="Cans" typeface="Euphemia"/>
-        <a:font script="Cher" typeface="Plantagenet Cherokee"/>
-        <a:font script="Yiii" typeface="Microsoft Yi Baiti"/>
-        <a:font script="Tibt" typeface="Microsoft Himalaya"/>
-        <a:font script="Thaa" typeface="MV Boli"/>
-        <a:font script="Deva" typeface="Mangal"/>
-        <a:font script="Telu" typeface="Gautami"/>
-        <a:font script="Taml" typeface="Latha"/>
-        <a:font script="Syrc" typeface="Estrangelo Edessa"/>
-        <a:font script="Orya" typeface="Kalinga"/>
-        <a:font script="Mlym" typeface="Kartika"/>
-        <a:font script="Laoo" typeface="DokChampa"/>
-        <a:font script="Sinh" typeface="Iskoola Pota"/>
-        <a:font script="Mong" typeface="Mongolian Baiti"/>
-        <a:font script="Viet" typeface="Times New Roman"/>
-        <a:font script="Uigh" typeface="Microsoft Uighur"/>
-        <a:font script="Geor" typeface="Sylfaen"/>
-      </a:majorFont>
-      <a:minorFont>
-        <a:latin typeface="Calibri"/>
-        <a:ea typeface=""/>
-        <a:cs typeface=""/>
-        <a:font script="Jpan" typeface="ＭＳ Ｐゴシック"/>
-        <a:font script="Hang" typeface="맑은 고딕"/>
-        <a:font script="Hans" typeface="宋体"/>
-        <a:font script="Hant" typeface="新細明體"/>
-        <a:font script="Arab" typeface="Arial"/>
-        <a:font script="Hebr" typeface="Arial"/>
-        <a:font script="Thai" typeface="Cordia New"/>
-        <a:font script="Ethi" typeface="Nyala"/>
-        <a:font script="Beng" typeface="Vrinda"/>
-        <a:font script="Gujr" typeface="Shruti"/>
-        <a:font script="Khmr" typeface="DaunPenh"/>
-        <a:font script="Knda" typeface="Tunga"/>
-        <a:font script="Guru" typeface="Raavi"/>
-        <a:font script="Cans" typeface="Euphemia"/>
-        <a:font script="Cher" typeface="Plantagenet Cherokee"/>
-        <a:font script="Yiii" typeface="Microsoft Yi Baiti"/>
-        <a:font script="Tibt" typeface="Microsoft Himalaya"/>
-        <a:font script="Thaa" typeface="MV Boli"/>
-        <a:font script="Deva" typeface="Mangal"/>
-        <a:font script="Telu" typeface="Gautami"/>
-        <a:font script="Taml" typeface="Latha"/>
-        <a:font script="Syrc" typeface="Estrangelo Edessa"/>
-        <a:font script="Orya" typeface="Kalinga"/>
-        <a:font script="Mlym" typeface="Kartika"/>
-        <a:font script="Laoo" typeface="DokChampa"/>
-        <a:font script="Sinh" typeface="Iskoola Pota"/>
-        <a:font script="Mong" typeface="Mongolian Baiti"/>
-        <a:font script="Viet" typeface="Arial"/>
-        <a:font script="Uigh" typeface="Microsoft Uighur"/>
-        <a:font script="Geor" typeface="Sylfaen"/>
-      </a:minorFont>
-    </a:fontScheme>
-    <a:fmtScheme name="Office">
-      <a:fillStyleLst>
-        <a:solidFill>
-          <a:schemeClr val="phClr"/>
-        </a:solidFill>
-        <a:gradFill rotWithShape="1">
-          <a:gsLst>
-            <a:gs pos="0">
-              <a:schemeClr val="phClr">
-                <a:tint val="50000"/>
-                <a:satMod val="300000"/>
-              </a:schemeClr>
-            </a:gs>
-            <a:gs pos="35000">
-              <a:schemeClr val="phClr">
-                <a:tint val="37000"/>
-                <a:satMod val="300000"/>
-              </a:schemeClr>
-            </a:gs>
-            <a:gs pos="100000">
-              <a:schemeClr val="phClr">
-                <a:tint val="15000"/>
-                <a:satMod val="350000"/>
-              </a:schemeClr>
-            </a:gs>
-          </a:gsLst>
-          <a:lin ang="16200000" scaled="1"/>
-        </a:gradFill>
-        <a:gradFill rotWithShape="1">
-          <a:gsLst>
-            <a:gs pos="0">
-              <a:schemeClr val="phClr">
-                <a:tint val="100000"/>
-                <a:shade val="100000"/>
-                <a:satMod val="130000"/>
-              </a:schemeClr>
-            </a:gs>
-            <a:gs pos="100000">
-              <a:schemeClr val="phClr">
-                <a:tint val="50000"/>
-                <a:shade val="100000"/>
-                <a:satMod val="350000"/>
-              </a:schemeClr>
-            </a:gs>
-          </a:gsLst>
-          <a:lin ang="16200000" scaled="0"/>
-        </a:gradFill>
-      </a:fillStyleLst>
-      <a:lnStyleLst>
-        <a:ln w="9525" cap="flat" cmpd="sng" algn="ctr">
-          <a:solidFill>
-            <a:schemeClr val="phClr">
-              <a:shade val="95000"/>
-              <a:satMod val="105000"/>
-            </a:schemeClr>
-          </a:solidFill>
-          <a:prstDash val="solid"/>
-        </a:ln>
-        <a:ln w="25400" cap="flat" cmpd="sng" algn="ctr">
-          <a:solidFill>
-            <a:schemeClr val="phClr"/>
-          </a:solidFill>
-          <a:prstDash val="solid"/>
-        </a:ln>
-        <a:ln w="38100" cap="flat" cmpd="sng" algn="ctr">
-          <a:solidFill>
-            <a:schemeClr val="phClr"/>
-          </a:solidFill>
-          <a:prstDash val="solid"/>
-        </a:ln>
-      </a:lnStyleLst>
-      <a:effectStyleLst>
-        <a:effectStyle>
-          <a:effectLst>
-            <a:outerShdw blurRad="40000" dist="20000" dir="5400000" rotWithShape="0">
-              <a:srgbClr val="000000">
-                <a:alpha val="38000"/>
-              </a:srgbClr>
-            </a:outerShdw>
-          </a:effectLst>
-        </a:effectStyle>
-        <a:effectStyle>
-          <a:effectLst>
-            <a:outerShdw blurRad="40000" dist="23000" dir="5400000" rotWithShape="0">
-              <a:srgbClr val="000000">
-                <a:alpha val="35000"/>
-              </a:srgbClr>
-            </a:outerShdw>
-          </a:effectLst>
-        </a:effectStyle>
-        <a:effectStyle>
-          <a:effectLst>
-            <a:outerShdw blurRad="40000" dist="23000" dir="5400000" rotWithShape="0">
-              <a:srgbClr val="000000">
-                <a:alpha val="35000"/>
-              </a:srgbClr>
-            </a:outerShdw>
-          </a:effectLst>
-          <a:scene3d>
-            <a:camera prst="orthographicFront">
-              <a:rot lat="0" lon="0" rev="0"/>
-            </a:camera>
-            <a:lightRig rig="threePt" dir="t">
-              <a:rot lat="0" lon="0" rev="1200000"/>
-            </a:lightRig>
-          </a:scene3d>
-          <a:sp3d>
-            <a:bevelT w="63500" h="25400"/>
-          </a:sp3d>
-        </a:effectStyle>
-      </a:effectStyleLst>
-      <a:bgFillStyleLst>
-        <a:solidFill>
-          <a:schemeClr val="phClr"/>
-        </a:solidFill>
-        <a:gradFill rotWithShape="1">
-          <a:gsLst>
-            <a:gs pos="0">
-              <a:schemeClr val="phClr">
-                <a:tint val="40000"/>
-                <a:satMod val="350000"/>
-              </a:schemeClr>
-            </a:gs>
-            <a:gs pos="40000">
-              <a:schemeClr val="phClr">
-                <a:tint val="45000"/>
-                <a:shade val="99000"/>
-                <a:satMod val="350000"/>
-              </a:schemeClr>
-            </a:gs>
-            <a:gs pos="100000">
-              <a:schemeClr val="phClr">
-                <a:shade val="20000"/>
-                <a:satMod val="255000"/>
-              </a:schemeClr>
-            </a:gs>
-          </a:gsLst>
-          <a:path path="circle">
-            <a:fillToRect l="50000" t="-80000" r="50000" b="180000"/>
-          </a:path>
-        </a:gradFill>
-        <a:gradFill rotWithShape="1">
-          <a:gsLst>
-            <a:gs pos="0">
-              <a:schemeClr val="phClr">
-                <a:tint val="80000"/>
-                <a:satMod val="300000"/>
-              </a:schemeClr>
-            </a:gs>
-            <a:gs pos="100000">
-              <a:schemeClr val="phClr">
-                <a:shade val="30000"/>
-                <a:satMod val="200000"/>
-              </a:schemeClr>
-            </a:gs>
-          </a:gsLst>
-          <a:path path="circle">
-            <a:fillToRect l="50000" t="50000" r="50000" b="50000"/>
-          </a:path>
-        </a:gradFill>
-      </a:bgFillStyleLst>
-    </a:fmtScheme>
-  </a:themeElements>
-  <a:objectDefaults>
-    <a:spDef>
-      <a:spPr/>
-      <a:bodyPr/>
-      <a:lstStyle/>
-      <a:style>
-        <a:lnRef idx="1">
-          <a:schemeClr val="accent1"/>
-        </a:lnRef>
-        <a:fillRef idx="3">
-          <a:schemeClr val="accent1"/>
-        </a:fillRef>
-        <a:effectRef idx="2">
-          <a:schemeClr val="accent1"/>
-        </a:effectRef>
-        <a:fontRef idx="minor">
-          <a:schemeClr val="lt1"/>
-        </a:fontRef>
-      </a:style>
-    </a:spDef>
-    <a:lnDef>
-      <a:spPr/>
-      <a:bodyPr/>
-      <a:lstStyle/>
-      <a:style>
-        <a:lnRef idx="2">
-          <a:schemeClr val="accent1"/>
-        </a:lnRef>
-        <a:fillRef idx="0">
-          <a:schemeClr val="accent1"/>
-        </a:fillRef>
-        <a:effectRef idx="1">
-          <a:schemeClr val="accent1"/>
-        </a:effectRef>
-        <a:fontRef idx="minor">
-          <a:schemeClr val="tx1"/>
-        </a:fontRef>
-      </a:style>
-    </a:lnDef>
-  </a:objectDefaults>
-  <a:extraClrSchemeLst/>
-</a:theme>
 </file>